--- a/Курсова робота(Виступ)Журба О.Р. ПЗ-32-1ду.pptx
+++ b/Курсова робота(Виступ)Журба О.Р. ПЗ-32-1ду.pptx
@@ -5,21 +5,22 @@
     <p:sldMasterId id="2147483878" r:id="rId4"/>
   </p:sldMasterIdLst>
   <p:notesMasterIdLst>
-    <p:notesMasterId r:id="rId14"/>
+    <p:notesMasterId r:id="rId15"/>
   </p:notesMasterIdLst>
   <p:handoutMasterIdLst>
-    <p:handoutMasterId r:id="rId15"/>
+    <p:handoutMasterId r:id="rId16"/>
   </p:handoutMasterIdLst>
   <p:sldIdLst>
     <p:sldId id="314" r:id="rId5"/>
     <p:sldId id="298" r:id="rId6"/>
     <p:sldId id="299" r:id="rId7"/>
-    <p:sldId id="315" r:id="rId8"/>
-    <p:sldId id="312" r:id="rId9"/>
-    <p:sldId id="316" r:id="rId10"/>
-    <p:sldId id="317" r:id="rId11"/>
-    <p:sldId id="319" r:id="rId12"/>
-    <p:sldId id="318" r:id="rId13"/>
+    <p:sldId id="320" r:id="rId8"/>
+    <p:sldId id="315" r:id="rId9"/>
+    <p:sldId id="312" r:id="rId10"/>
+    <p:sldId id="316" r:id="rId11"/>
+    <p:sldId id="317" r:id="rId12"/>
+    <p:sldId id="319" r:id="rId13"/>
+    <p:sldId id="318" r:id="rId14"/>
   </p:sldIdLst>
   <p:sldSz cx="12192000" cy="6858000"/>
   <p:notesSz cx="6858000" cy="9144000"/>
@@ -225,7 +226,7 @@
             <a:pPr rtl="0"/>
             <a:fld id="{3F86E15D-1320-43B8-B389-6D2F0C12B257}" type="datetime1">
               <a:rPr lang="ru-RU" smtClean="0"/>
-              <a:t>вт 30.04.24</a:t>
+              <a:t>пт 03.05.24</a:t>
             </a:fld>
             <a:endParaRPr lang="ru-RU" dirty="0"/>
           </a:p>
@@ -407,7 +408,7 @@
             <a:pPr rtl="0"/>
             <a:fld id="{8C6A6A8B-E53C-4123-A383-AD7B4BB91AC3}" type="datetime1">
               <a:rPr lang="ru-RU" noProof="0" smtClean="0"/>
-              <a:t>вт 30.04.24</a:t>
+              <a:t>пт 03.05.24</a:t>
             </a:fld>
             <a:endParaRPr lang="ru-RU" noProof="0" dirty="0"/>
           </a:p>
@@ -764,6 +765,92 @@
 </p:notes>
 </file>
 
+<file path=ppt/notesSlides/notesSlide10.xml><?xml version="1.0" encoding="utf-8"?>
+<p:notes xmlns:a="http://schemas.openxmlformats.org/drawingml/2006/main" xmlns:r="http://schemas.openxmlformats.org/officeDocument/2006/relationships" xmlns:p="http://schemas.openxmlformats.org/presentationml/2006/main">
+  <p:cSld>
+    <p:spTree>
+      <p:nvGrpSpPr>
+        <p:cNvPr id="1" name=""/>
+        <p:cNvGrpSpPr/>
+        <p:nvPr/>
+      </p:nvGrpSpPr>
+      <p:grpSpPr>
+        <a:xfrm>
+          <a:off x="0" y="0"/>
+          <a:ext cx="0" cy="0"/>
+          <a:chOff x="0" y="0"/>
+          <a:chExt cx="0" cy="0"/>
+        </a:xfrm>
+      </p:grpSpPr>
+      <p:sp>
+        <p:nvSpPr>
+          <p:cNvPr id="2" name="Образ слайда 1"/>
+          <p:cNvSpPr>
+            <a:spLocks noGrp="1" noRot="1" noChangeAspect="1"/>
+          </p:cNvSpPr>
+          <p:nvPr>
+            <p:ph type="sldImg"/>
+          </p:nvPr>
+        </p:nvSpPr>
+        <p:spPr/>
+      </p:sp>
+      <p:sp>
+        <p:nvSpPr>
+          <p:cNvPr id="3" name="Заметки 2"/>
+          <p:cNvSpPr>
+            <a:spLocks noGrp="1"/>
+          </p:cNvSpPr>
+          <p:nvPr>
+            <p:ph type="body" idx="1"/>
+          </p:nvPr>
+        </p:nvSpPr>
+        <p:spPr/>
+        <p:txBody>
+          <a:bodyPr rtlCol="0"/>
+          <a:lstStyle/>
+          <a:p>
+            <a:pPr rtl="0"/>
+            <a:endParaRPr lang="ru-RU" dirty="0"/>
+          </a:p>
+        </p:txBody>
+      </p:sp>
+      <p:sp>
+        <p:nvSpPr>
+          <p:cNvPr id="4" name="Номер слайда 3"/>
+          <p:cNvSpPr>
+            <a:spLocks noGrp="1"/>
+          </p:cNvSpPr>
+          <p:nvPr>
+            <p:ph type="sldNum" sz="quarter" idx="5"/>
+          </p:nvPr>
+        </p:nvSpPr>
+        <p:spPr/>
+        <p:txBody>
+          <a:bodyPr rtlCol="0"/>
+          <a:lstStyle/>
+          <a:p>
+            <a:pPr rtl="0"/>
+            <a:fld id="{8530193B-564F-4854-8A52-728F3FB19C85}" type="slidenum">
+              <a:rPr lang="ru-RU" smtClean="0"/>
+              <a:t>10</a:t>
+            </a:fld>
+            <a:endParaRPr lang="ru-RU" dirty="0"/>
+          </a:p>
+        </p:txBody>
+      </p:sp>
+    </p:spTree>
+    <p:extLst>
+      <p:ext uri="{BB962C8B-B14F-4D97-AF65-F5344CB8AC3E}">
+        <p14:creationId xmlns:p14="http://schemas.microsoft.com/office/powerpoint/2010/main" val="331655872"/>
+      </p:ext>
+    </p:extLst>
+  </p:cSld>
+  <p:clrMapOvr>
+    <a:masterClrMapping/>
+  </p:clrMapOvr>
+</p:notes>
+</file>
+
 <file path=ppt/notesSlides/notesSlide2.xml><?xml version="1.0" encoding="utf-8"?>
 <p:notes xmlns:a="http://schemas.openxmlformats.org/drawingml/2006/main" xmlns:r="http://schemas.openxmlformats.org/officeDocument/2006/relationships" xmlns:p="http://schemas.openxmlformats.org/presentationml/2006/main">
   <p:cSld>
@@ -1012,7 +1099,7 @@
     </p:spTree>
     <p:extLst>
       <p:ext uri="{BB962C8B-B14F-4D97-AF65-F5344CB8AC3E}">
-        <p14:creationId xmlns:p14="http://schemas.microsoft.com/office/powerpoint/2010/main" val="878587499"/>
+        <p14:creationId xmlns:p14="http://schemas.microsoft.com/office/powerpoint/2010/main" val="2983019374"/>
       </p:ext>
     </p:extLst>
   </p:cSld>
@@ -1098,7 +1185,7 @@
     </p:spTree>
     <p:extLst>
       <p:ext uri="{BB962C8B-B14F-4D97-AF65-F5344CB8AC3E}">
-        <p14:creationId xmlns:p14="http://schemas.microsoft.com/office/powerpoint/2010/main" val="1601981298"/>
+        <p14:creationId xmlns:p14="http://schemas.microsoft.com/office/powerpoint/2010/main" val="878587499"/>
       </p:ext>
     </p:extLst>
   </p:cSld>
@@ -1184,7 +1271,7 @@
     </p:spTree>
     <p:extLst>
       <p:ext uri="{BB962C8B-B14F-4D97-AF65-F5344CB8AC3E}">
-        <p14:creationId xmlns:p14="http://schemas.microsoft.com/office/powerpoint/2010/main" val="2392923246"/>
+        <p14:creationId xmlns:p14="http://schemas.microsoft.com/office/powerpoint/2010/main" val="1601981298"/>
       </p:ext>
     </p:extLst>
   </p:cSld>
@@ -1270,7 +1357,7 @@
     </p:spTree>
     <p:extLst>
       <p:ext uri="{BB962C8B-B14F-4D97-AF65-F5344CB8AC3E}">
-        <p14:creationId xmlns:p14="http://schemas.microsoft.com/office/powerpoint/2010/main" val="2470594465"/>
+        <p14:creationId xmlns:p14="http://schemas.microsoft.com/office/powerpoint/2010/main" val="2392923246"/>
       </p:ext>
     </p:extLst>
   </p:cSld>
@@ -1356,7 +1443,7 @@
     </p:spTree>
     <p:extLst>
       <p:ext uri="{BB962C8B-B14F-4D97-AF65-F5344CB8AC3E}">
-        <p14:creationId xmlns:p14="http://schemas.microsoft.com/office/powerpoint/2010/main" val="2299098143"/>
+        <p14:creationId xmlns:p14="http://schemas.microsoft.com/office/powerpoint/2010/main" val="2470594465"/>
       </p:ext>
     </p:extLst>
   </p:cSld>
@@ -1442,7 +1529,7 @@
     </p:spTree>
     <p:extLst>
       <p:ext uri="{BB962C8B-B14F-4D97-AF65-F5344CB8AC3E}">
-        <p14:creationId xmlns:p14="http://schemas.microsoft.com/office/powerpoint/2010/main" val="331655872"/>
+        <p14:creationId xmlns:p14="http://schemas.microsoft.com/office/powerpoint/2010/main" val="2299098143"/>
       </p:ext>
     </p:extLst>
   </p:cSld>
@@ -1599,7 +1686,7 @@
           <a:p>
             <a:fld id="{5557375A-249D-4B07-965A-C5D2A6BCF3DB}" type="datetimeFigureOut">
               <a:rPr lang="ru-RU" smtClean="0"/>
-              <a:t>вт 30.04.24</a:t>
+              <a:t>пт 03.05.24</a:t>
             </a:fld>
             <a:endParaRPr lang="ru-RU" dirty="0"/>
           </a:p>
@@ -2007,7 +2094,7 @@
           <a:p>
             <a:fld id="{5557375A-249D-4B07-965A-C5D2A6BCF3DB}" type="datetimeFigureOut">
               <a:rPr lang="ru-RU" smtClean="0"/>
-              <a:t>вт 30.04.24</a:t>
+              <a:t>пт 03.05.24</a:t>
             </a:fld>
             <a:endParaRPr lang="ru-RU" dirty="0"/>
           </a:p>
@@ -2222,7 +2309,7 @@
           <a:p>
             <a:fld id="{5557375A-249D-4B07-965A-C5D2A6BCF3DB}" type="datetimeFigureOut">
               <a:rPr lang="ru-RU" smtClean="0"/>
-              <a:t>вт 30.04.24</a:t>
+              <a:t>пт 03.05.24</a:t>
             </a:fld>
             <a:endParaRPr lang="ru-RU" dirty="0"/>
           </a:p>
@@ -5399,7 +5486,7 @@
           <a:p>
             <a:fld id="{5557375A-249D-4B07-965A-C5D2A6BCF3DB}" type="datetimeFigureOut">
               <a:rPr lang="ru-RU" smtClean="0"/>
-              <a:t>вт 30.04.24</a:t>
+              <a:t>пт 03.05.24</a:t>
             </a:fld>
             <a:endParaRPr lang="ru-RU" dirty="0"/>
           </a:p>
@@ -8248,7 +8335,7 @@
           <a:p>
             <a:fld id="{5557375A-249D-4B07-965A-C5D2A6BCF3DB}" type="datetimeFigureOut">
               <a:rPr lang="ru-RU" smtClean="0"/>
-              <a:t>вт 30.04.24</a:t>
+              <a:t>пт 03.05.24</a:t>
             </a:fld>
             <a:endParaRPr lang="ru-RU" dirty="0"/>
           </a:p>
@@ -8571,7 +8658,7 @@
           <a:p>
             <a:fld id="{5557375A-249D-4B07-965A-C5D2A6BCF3DB}" type="datetimeFigureOut">
               <a:rPr lang="ru-RU" smtClean="0"/>
-              <a:t>вт 30.04.24</a:t>
+              <a:t>пт 03.05.24</a:t>
             </a:fld>
             <a:endParaRPr lang="ru-RU" dirty="0"/>
           </a:p>
@@ -8989,7 +9076,7 @@
           <a:p>
             <a:fld id="{5557375A-249D-4B07-965A-C5D2A6BCF3DB}" type="datetimeFigureOut">
               <a:rPr lang="ru-RU" smtClean="0"/>
-              <a:t>вт 30.04.24</a:t>
+              <a:t>пт 03.05.24</a:t>
             </a:fld>
             <a:endParaRPr lang="ru-RU" dirty="0"/>
           </a:p>
@@ -9136,7 +9223,7 @@
           <a:p>
             <a:fld id="{5557375A-249D-4B07-965A-C5D2A6BCF3DB}" type="datetimeFigureOut">
               <a:rPr lang="ru-RU" smtClean="0"/>
-              <a:t>вт 30.04.24</a:t>
+              <a:t>пт 03.05.24</a:t>
             </a:fld>
             <a:endParaRPr lang="ru-RU" dirty="0"/>
           </a:p>
@@ -9255,7 +9342,7 @@
           <a:p>
             <a:fld id="{5557375A-249D-4B07-965A-C5D2A6BCF3DB}" type="datetimeFigureOut">
               <a:rPr lang="ru-RU" smtClean="0"/>
-              <a:t>вт 30.04.24</a:t>
+              <a:t>пт 03.05.24</a:t>
             </a:fld>
             <a:endParaRPr lang="ru-RU" dirty="0"/>
           </a:p>
@@ -9572,7 +9659,7 @@
           <a:p>
             <a:fld id="{5557375A-249D-4B07-965A-C5D2A6BCF3DB}" type="datetimeFigureOut">
               <a:rPr lang="ru-RU" smtClean="0"/>
-              <a:t>вт 30.04.24</a:t>
+              <a:t>пт 03.05.24</a:t>
             </a:fld>
             <a:endParaRPr lang="ru-RU" dirty="0"/>
           </a:p>
@@ -9866,7 +9953,7 @@
           <a:p>
             <a:fld id="{5557375A-249D-4B07-965A-C5D2A6BCF3DB}" type="datetimeFigureOut">
               <a:rPr lang="ru-RU" smtClean="0"/>
-              <a:t>вт 30.04.24</a:t>
+              <a:t>пт 03.05.24</a:t>
             </a:fld>
             <a:endParaRPr lang="ru-RU" dirty="0"/>
           </a:p>
@@ -10113,7 +10200,7 @@
           <a:p>
             <a:fld id="{5557375A-249D-4B07-965A-C5D2A6BCF3DB}" type="datetimeFigureOut">
               <a:rPr lang="ru-RU" smtClean="0"/>
-              <a:t>вт 30.04.24</a:t>
+              <a:t>пт 03.05.24</a:t>
             </a:fld>
             <a:endParaRPr lang="ru-RU" dirty="0"/>
           </a:p>
@@ -10883,10 +10970,10 @@
       </p:grpSpPr>
       <p:pic>
         <p:nvPicPr>
-          <p:cNvPr id="1038" name="Picture 14" descr="File:CIE RGB color cube.png - Wikipedia">
-            <a:extLst>
-              <a:ext uri="{FF2B5EF4-FFF2-40B4-BE49-F238E27FC236}">
-                <a16:creationId xmlns:a16="http://schemas.microsoft.com/office/drawing/2014/main" id="{1C2CF9C9-EDF9-4136-A68A-3CA709A5071C}"/>
+          <p:cNvPr id="4098" name="Picture 2" descr="File:Web Color Cube.svg - Wikimedia Commons">
+            <a:extLst>
+              <a:ext uri="{FF2B5EF4-FFF2-40B4-BE49-F238E27FC236}">
+                <a16:creationId xmlns:a16="http://schemas.microsoft.com/office/drawing/2014/main" id="{1993D285-0FF3-4C38-97C8-2CF742F8778F}"/>
               </a:ext>
             </a:extLst>
           </p:cNvPr>
@@ -10910,8 +10997,8 @@
         </p:blipFill>
         <p:spPr bwMode="auto">
           <a:xfrm>
-            <a:off x="4157663" y="1516738"/>
-            <a:ext cx="3831090" cy="3829274"/>
+            <a:off x="4063654" y="1396649"/>
+            <a:ext cx="4064691" cy="4064691"/>
           </a:xfrm>
           <a:prstGeom prst="rect">
             <a:avLst/>
@@ -10944,7 +11031,7 @@
         </p:nvSpPr>
         <p:spPr>
           <a:xfrm>
-            <a:off x="4938914" y="453756"/>
+            <a:off x="4961706" y="353088"/>
             <a:ext cx="2268588" cy="868602"/>
           </a:xfrm>
           <a:prstGeom prst="rect">
@@ -11004,7 +11091,7 @@
         </p:nvSpPr>
         <p:spPr>
           <a:xfrm>
-            <a:off x="3199213" y="2921164"/>
+            <a:off x="3199212" y="2921162"/>
             <a:ext cx="5793574" cy="1015663"/>
           </a:xfrm>
           <a:prstGeom prst="rect">
@@ -11255,6 +11342,120 @@
     <p:extLst>
       <p:ext uri="{BB962C8B-B14F-4D97-AF65-F5344CB8AC3E}">
         <p14:creationId xmlns:p14="http://schemas.microsoft.com/office/powerpoint/2010/main" val="1590185496"/>
+      </p:ext>
+    </p:extLst>
+  </p:cSld>
+  <p:clrMapOvr>
+    <a:masterClrMapping/>
+  </p:clrMapOvr>
+  <mc:AlternateContent xmlns:mc="http://schemas.openxmlformats.org/markup-compatibility/2006" xmlns:p14="http://schemas.microsoft.com/office/powerpoint/2010/main">
+    <mc:Choice Requires="p14">
+      <p:transition spd="med" p14:dur="700">
+        <p:fade/>
+      </p:transition>
+    </mc:Choice>
+    <mc:Fallback xmlns="">
+      <p:transition spd="med">
+        <p:fade/>
+      </p:transition>
+    </mc:Fallback>
+  </mc:AlternateContent>
+</p:sld>
+</file>
+
+<file path=ppt/slides/slide10.xml><?xml version="1.0" encoding="utf-8"?>
+<p:sld xmlns:a="http://schemas.openxmlformats.org/drawingml/2006/main" xmlns:r="http://schemas.openxmlformats.org/officeDocument/2006/relationships" xmlns:p="http://schemas.openxmlformats.org/presentationml/2006/main" showMasterSp="0">
+  <p:cSld>
+    <p:spTree>
+      <p:nvGrpSpPr>
+        <p:cNvPr id="1" name=""/>
+        <p:cNvGrpSpPr/>
+        <p:nvPr/>
+      </p:nvGrpSpPr>
+      <p:grpSpPr>
+        <a:xfrm>
+          <a:off x="0" y="0"/>
+          <a:ext cx="0" cy="0"/>
+          <a:chOff x="0" y="0"/>
+          <a:chExt cx="0" cy="0"/>
+        </a:xfrm>
+      </p:grpSpPr>
+      <p:pic>
+        <p:nvPicPr>
+          <p:cNvPr id="3" name="Рисунок 2">
+            <a:extLst>
+              <a:ext uri="{FF2B5EF4-FFF2-40B4-BE49-F238E27FC236}">
+                <a16:creationId xmlns:a16="http://schemas.microsoft.com/office/drawing/2014/main" id="{5D5A19EC-A44D-465F-AA7B-41EF9EAD0309}"/>
+              </a:ext>
+            </a:extLst>
+          </p:cNvPr>
+          <p:cNvPicPr>
+            <a:picLocks noChangeAspect="1"/>
+          </p:cNvPicPr>
+          <p:nvPr/>
+        </p:nvPicPr>
+        <p:blipFill rotWithShape="1">
+          <a:blip r:embed="rId3"/>
+          <a:srcRect t="6366" r="5289" b="4160"/>
+          <a:stretch/>
+        </p:blipFill>
+        <p:spPr>
+          <a:xfrm>
+            <a:off x="4315998" y="1642144"/>
+            <a:ext cx="3560002" cy="3573710"/>
+          </a:xfrm>
+          <a:prstGeom prst="rect">
+            <a:avLst/>
+          </a:prstGeom>
+        </p:spPr>
+      </p:pic>
+      <p:sp>
+        <p:nvSpPr>
+          <p:cNvPr id="5" name="TextBox 4">
+            <a:extLst>
+              <a:ext uri="{FF2B5EF4-FFF2-40B4-BE49-F238E27FC236}">
+                <a16:creationId xmlns:a16="http://schemas.microsoft.com/office/drawing/2014/main" id="{A4793CC0-CE8F-4FB2-B988-B805F936B613}"/>
+              </a:ext>
+            </a:extLst>
+          </p:cNvPr>
+          <p:cNvSpPr txBox="1"/>
+          <p:nvPr/>
+        </p:nvSpPr>
+        <p:spPr>
+          <a:xfrm>
+            <a:off x="2947987" y="3013501"/>
+            <a:ext cx="6296025" cy="830997"/>
+          </a:xfrm>
+          <a:prstGeom prst="rect">
+            <a:avLst/>
+          </a:prstGeom>
+          <a:noFill/>
+        </p:spPr>
+        <p:txBody>
+          <a:bodyPr wrap="square" rtlCol="0">
+            <a:spAutoFit/>
+          </a:bodyPr>
+          <a:lstStyle/>
+          <a:p>
+            <a:pPr algn="ctr"/>
+            <a:r>
+              <a:rPr lang="uk-UA" sz="4800" b="1" dirty="0">
+                <a:latin typeface="Arial Black" panose="020B0A04020102020204" pitchFamily="34" charset="0"/>
+                <a:cs typeface="Arial" panose="020B0604020202020204" pitchFamily="34" charset="0"/>
+              </a:rPr>
+              <a:t>Дякую за увагу!</a:t>
+            </a:r>
+            <a:endParaRPr lang="ru-RU" sz="4800" b="1" dirty="0">
+              <a:latin typeface="Arial Black" panose="020B0A04020102020204" pitchFamily="34" charset="0"/>
+              <a:cs typeface="Arial" panose="020B0604020202020204" pitchFamily="34" charset="0"/>
+            </a:endParaRPr>
+          </a:p>
+        </p:txBody>
+      </p:sp>
+    </p:spTree>
+    <p:extLst>
+      <p:ext uri="{BB962C8B-B14F-4D97-AF65-F5344CB8AC3E}">
+        <p14:creationId xmlns:p14="http://schemas.microsoft.com/office/powerpoint/2010/main" val="2947655180"/>
       </p:ext>
     </p:extLst>
   </p:cSld>
@@ -12109,35 +12310,6 @@
           <a:chExt cx="0" cy="0"/>
         </a:xfrm>
       </p:grpSpPr>
-      <p:pic>
-        <p:nvPicPr>
-          <p:cNvPr id="21" name="Рисунок 20">
-            <a:extLst>
-              <a:ext uri="{FF2B5EF4-FFF2-40B4-BE49-F238E27FC236}">
-                <a16:creationId xmlns:a16="http://schemas.microsoft.com/office/drawing/2014/main" id="{D5BA41B0-5F2A-4A56-ADB6-84917EB69F23}"/>
-              </a:ext>
-            </a:extLst>
-          </p:cNvPr>
-          <p:cNvPicPr>
-            <a:picLocks noGrp="1" noChangeAspect="1"/>
-          </p:cNvPicPr>
-          <p:nvPr>
-            <p:ph type="pic" sz="quarter" idx="33"/>
-          </p:nvPr>
-        </p:nvPicPr>
-        <p:blipFill rotWithShape="1">
-          <a:blip r:embed="rId3"/>
-          <a:srcRect l="20275" r="40036"/>
-          <a:stretch/>
-        </p:blipFill>
-        <p:spPr>
-          <a:xfrm>
-            <a:off x="9917356" y="991760"/>
-            <a:ext cx="2274644" cy="4298540"/>
-          </a:xfrm>
-          <a:noFill/>
-        </p:spPr>
-      </p:pic>
       <p:sp>
         <p:nvSpPr>
           <p:cNvPr id="13" name="Прямоугольник: скругленные углы 12">
@@ -12210,6 +12382,46 @@
               </a:rPr>
               <a:t>Аналіз предметної області </a:t>
             </a:r>
+            <a:r>
+              <a:rPr lang="en-US" b="1" dirty="0">
+                <a:solidFill>
+                  <a:schemeClr val="tx1"/>
+                </a:solidFill>
+                <a:latin typeface="Arial" panose="020B0604020202020204" pitchFamily="34" charset="0"/>
+                <a:cs typeface="Arial" panose="020B0604020202020204" pitchFamily="34" charset="0"/>
+              </a:rPr>
+              <a:t>– </a:t>
+            </a:r>
+            <a:r>
+              <a:rPr lang="uk-UA" b="1" dirty="0">
+                <a:solidFill>
+                  <a:schemeClr val="tx1"/>
+                </a:solidFill>
+                <a:latin typeface="Arial" panose="020B0604020202020204" pitchFamily="34" charset="0"/>
+                <a:cs typeface="Arial" panose="020B0604020202020204" pitchFamily="34" charset="0"/>
+              </a:rPr>
+              <a:t>колірна модель</a:t>
+            </a:r>
+            <a:r>
+              <a:rPr lang="en-US" b="1" dirty="0">
+                <a:solidFill>
+                  <a:schemeClr val="tx1"/>
+                </a:solidFill>
+                <a:latin typeface="Arial" panose="020B0604020202020204" pitchFamily="34" charset="0"/>
+                <a:cs typeface="Arial" panose="020B0604020202020204" pitchFamily="34" charset="0"/>
+              </a:rPr>
+              <a:t> RGB</a:t>
+            </a:r>
+            <a:r>
+              <a:rPr lang="uk-UA" b="1" dirty="0">
+                <a:solidFill>
+                  <a:schemeClr val="tx1"/>
+                </a:solidFill>
+                <a:latin typeface="Arial" panose="020B0604020202020204" pitchFamily="34" charset="0"/>
+                <a:cs typeface="Arial" panose="020B0604020202020204" pitchFamily="34" charset="0"/>
+              </a:rPr>
+              <a:t> </a:t>
+            </a:r>
             <a:endParaRPr lang="ru-RU" b="1" dirty="0">
               <a:solidFill>
                 <a:schemeClr val="tx1"/>
@@ -12480,7 +12692,7 @@
           <p:nvPr/>
         </p:nvPicPr>
         <p:blipFill>
-          <a:blip r:embed="rId4">
+          <a:blip r:embed="rId3">
             <a:extLst>
               <a:ext uri="{28A0092B-C50C-407E-A947-70E740481C1C}">
                 <a14:useLocalDpi xmlns:a14="http://schemas.microsoft.com/office/drawing/2010/main" val="0"/>
@@ -13179,6 +13391,35 @@
           </a:p>
         </p:txBody>
       </p:sp>
+      <p:pic>
+        <p:nvPicPr>
+          <p:cNvPr id="9" name="Рисунок 8">
+            <a:extLst>
+              <a:ext uri="{FF2B5EF4-FFF2-40B4-BE49-F238E27FC236}">
+                <a16:creationId xmlns:a16="http://schemas.microsoft.com/office/drawing/2014/main" id="{785B365E-9B70-4BC4-A95F-AE0ACB6C9F2D}"/>
+              </a:ext>
+            </a:extLst>
+          </p:cNvPr>
+          <p:cNvPicPr>
+            <a:picLocks noChangeAspect="1"/>
+          </p:cNvPicPr>
+          <p:nvPr/>
+        </p:nvPicPr>
+        <p:blipFill rotWithShape="1">
+          <a:blip r:embed="rId4"/>
+          <a:srcRect l="3674" t="1272" r="24897" b="-1272"/>
+          <a:stretch/>
+        </p:blipFill>
+        <p:spPr>
+          <a:xfrm>
+            <a:off x="10178503" y="1313269"/>
+            <a:ext cx="2013497" cy="3304266"/>
+          </a:xfrm>
+          <a:prstGeom prst="rect">
+            <a:avLst/>
+          </a:prstGeom>
+        </p:spPr>
+      </p:pic>
     </p:spTree>
     <p:extLst>
       <p:ext uri="{BB962C8B-B14F-4D97-AF65-F5344CB8AC3E}">
@@ -13964,42 +14205,12 @@
           <a:chExt cx="0" cy="0"/>
         </a:xfrm>
       </p:grpSpPr>
-      <p:pic>
-        <p:nvPicPr>
-          <p:cNvPr id="4" name="Рисунок 3">
-            <a:extLst>
-              <a:ext uri="{FF2B5EF4-FFF2-40B4-BE49-F238E27FC236}">
-                <a16:creationId xmlns:a16="http://schemas.microsoft.com/office/drawing/2014/main" id="{AF4A7922-0959-488D-84BC-EA7CF302AC26}"/>
-              </a:ext>
-            </a:extLst>
-          </p:cNvPr>
-          <p:cNvPicPr>
-            <a:picLocks noChangeAspect="1"/>
-          </p:cNvPicPr>
-          <p:nvPr/>
-        </p:nvPicPr>
-        <p:blipFill>
-          <a:blip r:embed="rId3"/>
-          <a:stretch>
-            <a:fillRect/>
-          </a:stretch>
-        </p:blipFill>
-        <p:spPr>
-          <a:xfrm>
-            <a:off x="1294904" y="1269543"/>
-            <a:ext cx="8053441" cy="5463097"/>
-          </a:xfrm>
-          <a:prstGeom prst="rect">
-            <a:avLst/>
-          </a:prstGeom>
-        </p:spPr>
-      </p:pic>
-      <p:sp>
-        <p:nvSpPr>
-          <p:cNvPr id="8" name="Прямоугольник: скругленные углы 7">
-            <a:extLst>
-              <a:ext uri="{FF2B5EF4-FFF2-40B4-BE49-F238E27FC236}">
-                <a16:creationId xmlns:a16="http://schemas.microsoft.com/office/drawing/2014/main" id="{527ECE0A-DA17-4944-83DF-6544AA969C53}"/>
+      <p:sp>
+        <p:nvSpPr>
+          <p:cNvPr id="13" name="Прямоугольник: скругленные углы 12">
+            <a:extLst>
+              <a:ext uri="{FF2B5EF4-FFF2-40B4-BE49-F238E27FC236}">
+                <a16:creationId xmlns:a16="http://schemas.microsoft.com/office/drawing/2014/main" id="{EC041308-7455-4762-9F8B-30B17334DEE8}"/>
               </a:ext>
             </a:extLst>
           </p:cNvPr>
@@ -14064,9 +14275,9 @@
                 <a:latin typeface="Arial" panose="020B0604020202020204" pitchFamily="34" charset="0"/>
                 <a:cs typeface="Arial" panose="020B0604020202020204" pitchFamily="34" charset="0"/>
               </a:rPr>
-              <a:t>Постановка задачі</a:t>
-            </a:r>
-            <a:endParaRPr lang="ru-RU" sz="1600" b="1" dirty="0">
+              <a:t>Аналіз предметної області – огляд аналогічних рішень</a:t>
+            </a:r>
+            <a:endParaRPr lang="ru-RU" b="1" dirty="0">
               <a:solidFill>
                 <a:schemeClr val="tx1"/>
               </a:solidFill>
@@ -14078,10 +14289,10 @@
       </p:sp>
       <p:sp>
         <p:nvSpPr>
-          <p:cNvPr id="9" name="Номер слайда 5">
-            <a:extLst>
-              <a:ext uri="{FF2B5EF4-FFF2-40B4-BE49-F238E27FC236}">
-                <a16:creationId xmlns:a16="http://schemas.microsoft.com/office/drawing/2014/main" id="{A4B92EC0-2144-47E8-AC99-9085BFD02BF4}"/>
+          <p:cNvPr id="15" name="Номер слайда 5">
+            <a:extLst>
+              <a:ext uri="{FF2B5EF4-FFF2-40B4-BE49-F238E27FC236}">
+                <a16:creationId xmlns:a16="http://schemas.microsoft.com/office/drawing/2014/main" id="{761C1398-CC77-494A-A626-261516E890A7}"/>
               </a:ext>
             </a:extLst>
           </p:cNvPr>
@@ -14143,10 +14354,10 @@
       </p:sp>
       <p:pic>
         <p:nvPicPr>
-          <p:cNvPr id="3074" name="Picture 2" descr="undefined">
-            <a:extLst>
-              <a:ext uri="{FF2B5EF4-FFF2-40B4-BE49-F238E27FC236}">
-                <a16:creationId xmlns:a16="http://schemas.microsoft.com/office/drawing/2014/main" id="{9FE766FE-6B3F-44D9-BA65-AF8633F8B6C8}"/>
+          <p:cNvPr id="1026" name="Picture 2" descr="Adobe RGB (1998) — Википедия">
+            <a:extLst>
+              <a:ext uri="{FF2B5EF4-FFF2-40B4-BE49-F238E27FC236}">
+                <a16:creationId xmlns:a16="http://schemas.microsoft.com/office/drawing/2014/main" id="{96A6538B-64A3-4E83-A49E-DF3ED83F08A0}"/>
               </a:ext>
             </a:extLst>
           </p:cNvPr>
@@ -14156,20 +14367,20 @@
           <p:nvPr/>
         </p:nvPicPr>
         <p:blipFill rotWithShape="1">
-          <a:blip r:embed="rId4">
+          <a:blip r:embed="rId3">
             <a:extLst>
               <a:ext uri="{28A0092B-C50C-407E-A947-70E740481C1C}">
                 <a14:useLocalDpi xmlns:a14="http://schemas.microsoft.com/office/drawing/2010/main" val="0"/>
               </a:ext>
             </a:extLst>
           </a:blip>
-          <a:srcRect r="46015"/>
+          <a:srcRect r="28548"/>
           <a:stretch/>
         </p:blipFill>
         <p:spPr bwMode="auto">
           <a:xfrm>
-            <a:off x="9661243" y="991760"/>
-            <a:ext cx="2530757" cy="4303373"/>
+            <a:off x="9780145" y="1711353"/>
+            <a:ext cx="2411855" cy="3586329"/>
           </a:xfrm>
           <a:prstGeom prst="rect">
             <a:avLst/>
@@ -14186,70 +14397,748 @@
           </a:extLst>
         </p:spPr>
       </p:pic>
-      <p:sp>
-        <p:nvSpPr>
-          <p:cNvPr id="2" name="Прямоугольник 1">
-            <a:extLst>
-              <a:ext uri="{FF2B5EF4-FFF2-40B4-BE49-F238E27FC236}">
-                <a16:creationId xmlns:a16="http://schemas.microsoft.com/office/drawing/2014/main" id="{274B40EF-C45F-4EFE-BCF0-D4E9C9546183}"/>
-              </a:ext>
-            </a:extLst>
-          </p:cNvPr>
-          <p:cNvSpPr/>
+      <p:pic>
+        <p:nvPicPr>
+          <p:cNvPr id="27" name="Рисунок 26">
+            <a:extLst>
+              <a:ext uri="{FF2B5EF4-FFF2-40B4-BE49-F238E27FC236}">
+                <a16:creationId xmlns:a16="http://schemas.microsoft.com/office/drawing/2014/main" id="{395CE6A0-60C5-4B57-A06B-C4A5FDB0FA52}"/>
+              </a:ext>
+            </a:extLst>
+          </p:cNvPr>
+          <p:cNvPicPr/>
           <p:nvPr/>
-        </p:nvSpPr>
+        </p:nvPicPr>
+        <p:blipFill>
+          <a:blip r:embed="rId4">
+            <a:extLst>
+              <a:ext uri="{28A0092B-C50C-407E-A947-70E740481C1C}">
+                <a14:useLocalDpi xmlns:a14="http://schemas.microsoft.com/office/drawing/2010/main" val="0"/>
+              </a:ext>
+            </a:extLst>
+          </a:blip>
+          <a:stretch>
+            <a:fillRect/>
+          </a:stretch>
+        </p:blipFill>
         <p:spPr>
           <a:xfrm>
-            <a:off x="457199" y="1095286"/>
-            <a:ext cx="9020175" cy="923330"/>
+            <a:off x="292101" y="1149291"/>
+            <a:ext cx="3566198" cy="2944536"/>
           </a:xfrm>
           <a:prstGeom prst="rect">
             <a:avLst/>
           </a:prstGeom>
         </p:spPr>
-        <p:txBody>
-          <a:bodyPr wrap="square">
+      </p:pic>
+      <p:pic>
+        <p:nvPicPr>
+          <p:cNvPr id="28" name="Рисунок 27">
+            <a:extLst>
+              <a:ext uri="{FF2B5EF4-FFF2-40B4-BE49-F238E27FC236}">
+                <a16:creationId xmlns:a16="http://schemas.microsoft.com/office/drawing/2014/main" id="{F268CDDA-7E1A-4063-886D-3999145ED2FC}"/>
+              </a:ext>
+            </a:extLst>
+          </p:cNvPr>
+          <p:cNvPicPr/>
+          <p:nvPr/>
+        </p:nvPicPr>
+        <p:blipFill rotWithShape="1">
+          <a:blip r:embed="rId5" cstate="print">
+            <a:extLst>
+              <a:ext uri="{28A0092B-C50C-407E-A947-70E740481C1C}">
+                <a14:useLocalDpi xmlns:a14="http://schemas.microsoft.com/office/drawing/2010/main" val="0"/>
+              </a:ext>
+            </a:extLst>
+          </a:blip>
+          <a:srcRect t="7990" r="7322" b="6514"/>
+          <a:stretch/>
+        </p:blipFill>
+        <p:spPr bwMode="auto">
+          <a:xfrm>
+            <a:off x="5403928" y="1149291"/>
+            <a:ext cx="3834594" cy="2692864"/>
+          </a:xfrm>
+          <a:prstGeom prst="rect">
+            <a:avLst/>
+          </a:prstGeom>
+          <a:ln>
+            <a:noFill/>
+          </a:ln>
+          <a:extLst>
+            <a:ext uri="{53640926-AAD7-44D8-BBD7-CCE9431645EC}">
+              <a14:shadowObscured xmlns:a14="http://schemas.microsoft.com/office/drawing/2010/main"/>
+            </a:ext>
+          </a:extLst>
+        </p:spPr>
+      </p:pic>
+      <p:sp>
+        <p:nvSpPr>
+          <p:cNvPr id="14" name="TextBox 13">
+            <a:extLst>
+              <a:ext uri="{FF2B5EF4-FFF2-40B4-BE49-F238E27FC236}">
+                <a16:creationId xmlns:a16="http://schemas.microsoft.com/office/drawing/2014/main" id="{5B8EA9B1-6750-4625-9BDB-6320B2473BB5}"/>
+              </a:ext>
+            </a:extLst>
+          </p:cNvPr>
+          <p:cNvSpPr txBox="1"/>
+          <p:nvPr/>
+        </p:nvSpPr>
+        <p:spPr>
+          <a:xfrm>
+            <a:off x="292101" y="4060270"/>
+            <a:ext cx="4570204" cy="1815882"/>
+          </a:xfrm>
+          <a:prstGeom prst="rect">
+            <a:avLst/>
+          </a:prstGeom>
+          <a:noFill/>
+        </p:spPr>
+        <p:txBody>
+          <a:bodyPr wrap="square" rtlCol="0">
             <a:spAutoFit/>
           </a:bodyPr>
           <a:lstStyle/>
           <a:p>
             <a:r>
-              <a:rPr lang="uk-UA" dirty="0">
+              <a:rPr lang="uk-UA" sz="1400" dirty="0">
                 <a:latin typeface="Arial" panose="020B0604020202020204" pitchFamily="34" charset="0"/>
-                <a:ea typeface="Calibri" panose="020F0502020204030204" pitchFamily="34" charset="0"/>
                 <a:cs typeface="Arial" panose="020B0604020202020204" pitchFamily="34" charset="0"/>
               </a:rPr>
-              <a:t>Розробити навчальну гру «Вгадай колір» для вивчення колірного простору RGB. При її розробці використовуючи парадигму ООП реалізувати програму, яка у ігровій формі розвиває розуміння RGB-простору</a:t>
-            </a:r>
-            <a:endParaRPr lang="ru-RU" dirty="0">
+              <a:t>Переваги:</a:t>
+            </a:r>
+          </a:p>
+          <a:p>
+            <a:r>
+              <a:rPr lang="ru-RU" sz="1400" dirty="0">
+                <a:latin typeface="Arial" panose="020B0604020202020204" pitchFamily="34" charset="0"/>
+                <a:cs typeface="Arial" panose="020B0604020202020204" pitchFamily="34" charset="0"/>
+              </a:rPr>
+              <a:t>✓ </a:t>
+            </a:r>
+            <a:r>
+              <a:rPr lang="uk-UA" sz="1400" dirty="0">
+                <a:latin typeface="Arial" panose="020B0604020202020204" pitchFamily="34" charset="0"/>
+                <a:cs typeface="Arial" panose="020B0604020202020204" pitchFamily="34" charset="0"/>
+              </a:rPr>
+              <a:t>потрібен тільки Веб-браузер та інтернет;</a:t>
+            </a:r>
+          </a:p>
+          <a:p>
+            <a:r>
+              <a:rPr lang="ru-RU" sz="1400" dirty="0">
+                <a:latin typeface="Arial" panose="020B0604020202020204" pitchFamily="34" charset="0"/>
+                <a:cs typeface="Arial" panose="020B0604020202020204" pitchFamily="34" charset="0"/>
+              </a:rPr>
+              <a:t>✓</a:t>
+            </a:r>
+            <a:r>
+              <a:rPr lang="uk-UA" sz="1400" dirty="0">
+                <a:latin typeface="Arial" panose="020B0604020202020204" pitchFamily="34" charset="0"/>
+                <a:cs typeface="Arial" panose="020B0604020202020204" pitchFamily="34" charset="0"/>
+              </a:rPr>
+              <a:t> легка в опануванні.</a:t>
+            </a:r>
+          </a:p>
+          <a:p>
+            <a:endParaRPr lang="uk-UA" sz="1400" dirty="0">
               <a:latin typeface="Arial" panose="020B0604020202020204" pitchFamily="34" charset="0"/>
               <a:cs typeface="Arial" panose="020B0604020202020204" pitchFamily="34" charset="0"/>
             </a:endParaRPr>
           </a:p>
+          <a:p>
+            <a:r>
+              <a:rPr lang="uk-UA" sz="1400" dirty="0">
+                <a:latin typeface="Arial" panose="020B0604020202020204" pitchFamily="34" charset="0"/>
+                <a:cs typeface="Arial" panose="020B0604020202020204" pitchFamily="34" charset="0"/>
+              </a:rPr>
+              <a:t>Недоліки</a:t>
+            </a:r>
+            <a:r>
+              <a:rPr lang="ru-RU" sz="1400" dirty="0">
+                <a:latin typeface="Arial" panose="020B0604020202020204" pitchFamily="34" charset="0"/>
+                <a:cs typeface="Arial" panose="020B0604020202020204" pitchFamily="34" charset="0"/>
+              </a:rPr>
+              <a:t>:</a:t>
+            </a:r>
+          </a:p>
+          <a:p>
+            <a:r>
+              <a:rPr lang="ru-RU" sz="1400" dirty="0">
+                <a:latin typeface="Arial" panose="020B0604020202020204" pitchFamily="34" charset="0"/>
+                <a:cs typeface="Arial" panose="020B0604020202020204" pitchFamily="34" charset="0"/>
+              </a:rPr>
+              <a:t>✕ </a:t>
+            </a:r>
+            <a:r>
+              <a:rPr lang="uk-UA" sz="1400" dirty="0">
+                <a:latin typeface="Arial" panose="020B0604020202020204" pitchFamily="34" charset="0"/>
+                <a:cs typeface="Arial" panose="020B0604020202020204" pitchFamily="34" charset="0"/>
+              </a:rPr>
+              <a:t>відсутність назви кольорів;</a:t>
+            </a:r>
+          </a:p>
+          <a:p>
+            <a:r>
+              <a:rPr lang="uk-UA" sz="1400" dirty="0">
+                <a:latin typeface="Arial" panose="020B0604020202020204" pitchFamily="34" charset="0"/>
+                <a:cs typeface="Arial" panose="020B0604020202020204" pitchFamily="34" charset="0"/>
+              </a:rPr>
+              <a:t>✕ відсутність таблиці попередніх результатів;</a:t>
+            </a:r>
+          </a:p>
+          <a:p>
+            <a:r>
+              <a:rPr lang="uk-UA" sz="1400" dirty="0">
+                <a:latin typeface="Arial" panose="020B0604020202020204" pitchFamily="34" charset="0"/>
+                <a:cs typeface="Arial" panose="020B0604020202020204" pitchFamily="34" charset="0"/>
+              </a:rPr>
+              <a:t>✕ відсутність можливості додати власні кольори.</a:t>
+            </a:r>
+          </a:p>
+        </p:txBody>
+      </p:sp>
+      <p:sp>
+        <p:nvSpPr>
+          <p:cNvPr id="30" name="TextBox 29">
+            <a:extLst>
+              <a:ext uri="{FF2B5EF4-FFF2-40B4-BE49-F238E27FC236}">
+                <a16:creationId xmlns:a16="http://schemas.microsoft.com/office/drawing/2014/main" id="{D6117C58-B9C4-48AE-A7D2-B04486E3F63B}"/>
+              </a:ext>
+            </a:extLst>
+          </p:cNvPr>
+          <p:cNvSpPr txBox="1"/>
+          <p:nvPr/>
+        </p:nvSpPr>
+        <p:spPr>
+          <a:xfrm>
+            <a:off x="5307285" y="4072913"/>
+            <a:ext cx="4570204" cy="2246769"/>
+          </a:xfrm>
+          <a:prstGeom prst="rect">
+            <a:avLst/>
+          </a:prstGeom>
+          <a:noFill/>
+        </p:spPr>
+        <p:txBody>
+          <a:bodyPr wrap="square" rtlCol="0">
+            <a:spAutoFit/>
+          </a:bodyPr>
+          <a:lstStyle/>
+          <a:p>
+            <a:r>
+              <a:rPr lang="uk-UA" sz="1400" dirty="0">
+                <a:latin typeface="Arial" panose="020B0604020202020204" pitchFamily="34" charset="0"/>
+                <a:cs typeface="Arial" panose="020B0604020202020204" pitchFamily="34" charset="0"/>
+              </a:rPr>
+              <a:t>Переваги:</a:t>
+            </a:r>
+          </a:p>
+          <a:p>
+            <a:r>
+              <a:rPr lang="ru-RU" sz="1400" dirty="0">
+                <a:latin typeface="Arial" panose="020B0604020202020204" pitchFamily="34" charset="0"/>
+                <a:cs typeface="Arial" panose="020B0604020202020204" pitchFamily="34" charset="0"/>
+              </a:rPr>
+              <a:t>✓</a:t>
+            </a:r>
+            <a:r>
+              <a:rPr lang="uk-UA" sz="1400" dirty="0">
+                <a:latin typeface="Arial" panose="020B0604020202020204" pitchFamily="34" charset="0"/>
+                <a:cs typeface="Arial" panose="020B0604020202020204" pitchFamily="34" charset="0"/>
+              </a:rPr>
+              <a:t> потрібен тільки Веб-браузер та інтернет;</a:t>
+            </a:r>
+          </a:p>
+          <a:p>
+            <a:r>
+              <a:rPr lang="ru-RU" sz="1400" dirty="0">
+                <a:latin typeface="Arial" panose="020B0604020202020204" pitchFamily="34" charset="0"/>
+                <a:cs typeface="Arial" panose="020B0604020202020204" pitchFamily="34" charset="0"/>
+              </a:rPr>
+              <a:t>✓ </a:t>
+            </a:r>
+            <a:r>
+              <a:rPr lang="uk-UA" sz="1400" dirty="0">
+                <a:latin typeface="Arial" panose="020B0604020202020204" pitchFamily="34" charset="0"/>
+                <a:cs typeface="Arial" panose="020B0604020202020204" pitchFamily="34" charset="0"/>
+              </a:rPr>
+              <a:t>легка в опануванні;</a:t>
+            </a:r>
+          </a:p>
+          <a:p>
+            <a:r>
+              <a:rPr lang="ru-RU" sz="1400" dirty="0">
+                <a:latin typeface="Arial" panose="020B0604020202020204" pitchFamily="34" charset="0"/>
+                <a:cs typeface="Arial" panose="020B0604020202020204" pitchFamily="34" charset="0"/>
+              </a:rPr>
+              <a:t>✓ </a:t>
+            </a:r>
+            <a:r>
+              <a:rPr lang="uk-UA" sz="1400" dirty="0">
+                <a:latin typeface="Arial" panose="020B0604020202020204" pitchFamily="34" charset="0"/>
+                <a:cs typeface="Arial" panose="020B0604020202020204" pitchFamily="34" charset="0"/>
+              </a:rPr>
+              <a:t>подання значень у </a:t>
+            </a:r>
+            <a:r>
+              <a:rPr lang="en-US" sz="1400" dirty="0">
+                <a:latin typeface="Arial" panose="020B0604020202020204" pitchFamily="34" charset="0"/>
+                <a:cs typeface="Arial" panose="020B0604020202020204" pitchFamily="34" charset="0"/>
+              </a:rPr>
+              <a:t>RGB;</a:t>
+            </a:r>
+          </a:p>
+          <a:p>
+            <a:r>
+              <a:rPr lang="ru-RU" sz="1400" dirty="0">
+                <a:latin typeface="Arial" panose="020B0604020202020204" pitchFamily="34" charset="0"/>
+                <a:cs typeface="Arial" panose="020B0604020202020204" pitchFamily="34" charset="0"/>
+              </a:rPr>
+              <a:t>✓ </a:t>
+            </a:r>
+            <a:r>
+              <a:rPr lang="uk-UA" sz="1400" dirty="0">
+                <a:latin typeface="Arial" panose="020B0604020202020204" pitchFamily="34" charset="0"/>
+                <a:cs typeface="Arial" panose="020B0604020202020204" pitchFamily="34" charset="0"/>
+              </a:rPr>
+              <a:t>2 рівня складності.</a:t>
+            </a:r>
+          </a:p>
+          <a:p>
+            <a:endParaRPr lang="uk-UA" sz="1400" dirty="0">
+              <a:latin typeface="Arial" panose="020B0604020202020204" pitchFamily="34" charset="0"/>
+              <a:cs typeface="Arial" panose="020B0604020202020204" pitchFamily="34" charset="0"/>
+            </a:endParaRPr>
+          </a:p>
+          <a:p>
+            <a:r>
+              <a:rPr lang="uk-UA" sz="1400" dirty="0">
+                <a:latin typeface="Arial" panose="020B0604020202020204" pitchFamily="34" charset="0"/>
+                <a:cs typeface="Arial" panose="020B0604020202020204" pitchFamily="34" charset="0"/>
+              </a:rPr>
+              <a:t>Недоліки</a:t>
+            </a:r>
+            <a:r>
+              <a:rPr lang="ru-RU" sz="1400" dirty="0">
+                <a:latin typeface="Arial" panose="020B0604020202020204" pitchFamily="34" charset="0"/>
+                <a:cs typeface="Arial" panose="020B0604020202020204" pitchFamily="34" charset="0"/>
+              </a:rPr>
+              <a:t>:</a:t>
+            </a:r>
+          </a:p>
+          <a:p>
+            <a:r>
+              <a:rPr lang="ru-RU" sz="1400" dirty="0">
+                <a:latin typeface="Arial" panose="020B0604020202020204" pitchFamily="34" charset="0"/>
+                <a:cs typeface="Arial" panose="020B0604020202020204" pitchFamily="34" charset="0"/>
+              </a:rPr>
+              <a:t>✕ </a:t>
+            </a:r>
+            <a:r>
+              <a:rPr lang="uk-UA" sz="1400" dirty="0">
+                <a:latin typeface="Arial" panose="020B0604020202020204" pitchFamily="34" charset="0"/>
+                <a:cs typeface="Arial" panose="020B0604020202020204" pitchFamily="34" charset="0"/>
+              </a:rPr>
+              <a:t>відсутність назви кольорів;</a:t>
+            </a:r>
+          </a:p>
+          <a:p>
+            <a:r>
+              <a:rPr lang="uk-UA" sz="1400" dirty="0">
+                <a:latin typeface="Arial" panose="020B0604020202020204" pitchFamily="34" charset="0"/>
+                <a:cs typeface="Arial" panose="020B0604020202020204" pitchFamily="34" charset="0"/>
+              </a:rPr>
+              <a:t>✕ відсутність таблиці попередніх результатів;</a:t>
+            </a:r>
+          </a:p>
+          <a:p>
+            <a:r>
+              <a:rPr lang="uk-UA" sz="1400" dirty="0">
+                <a:latin typeface="Arial" panose="020B0604020202020204" pitchFamily="34" charset="0"/>
+                <a:cs typeface="Arial" panose="020B0604020202020204" pitchFamily="34" charset="0"/>
+              </a:rPr>
+              <a:t>✕ відсутність можливості додати власні кольори</a:t>
+            </a:r>
+            <a:r>
+              <a:rPr lang="ru-RU" sz="1400" dirty="0">
+                <a:latin typeface="Arial" panose="020B0604020202020204" pitchFamily="34" charset="0"/>
+                <a:cs typeface="Arial" panose="020B0604020202020204" pitchFamily="34" charset="0"/>
+              </a:rPr>
+              <a:t>.</a:t>
+            </a:r>
+          </a:p>
         </p:txBody>
       </p:sp>
     </p:spTree>
     <p:extLst>
       <p:ext uri="{BB962C8B-B14F-4D97-AF65-F5344CB8AC3E}">
-        <p14:creationId xmlns:p14="http://schemas.microsoft.com/office/powerpoint/2010/main" val="2783819451"/>
+        <p14:creationId xmlns:p14="http://schemas.microsoft.com/office/powerpoint/2010/main" val="2701449045"/>
       </p:ext>
     </p:extLst>
   </p:cSld>
   <p:clrMapOvr>
     <a:masterClrMapping/>
   </p:clrMapOvr>
-  <mc:AlternateContent xmlns:mc="http://schemas.openxmlformats.org/markup-compatibility/2006" xmlns:p14="http://schemas.microsoft.com/office/powerpoint/2010/main">
-    <mc:Choice Requires="p14">
+  <mc:AlternateContent xmlns:mc="http://schemas.openxmlformats.org/markup-compatibility/2006">
+    <mc:Choice xmlns:p14="http://schemas.microsoft.com/office/powerpoint/2010/main" Requires="p14">
       <p:transition spd="med" p14:dur="700">
         <p:fade/>
       </p:transition>
     </mc:Choice>
-    <mc:Fallback xmlns="">
+    <mc:Fallback>
       <p:transition spd="med">
         <p:fade/>
       </p:transition>
     </mc:Fallback>
   </mc:AlternateContent>
+  <p:timing>
+    <p:tnLst>
+      <p:par>
+        <p:cTn id="1" dur="indefinite" restart="never" nodeType="tmRoot">
+          <p:childTnLst>
+            <p:seq concurrent="1" nextAc="seek">
+              <p:cTn id="2" dur="indefinite" nodeType="mainSeq">
+                <p:childTnLst>
+                  <p:par>
+                    <p:cTn id="3" fill="hold">
+                      <p:stCondLst>
+                        <p:cond delay="indefinite"/>
+                        <p:cond evt="onBegin" delay="0">
+                          <p:tn val="2"/>
+                        </p:cond>
+                      </p:stCondLst>
+                      <p:childTnLst>
+                        <p:par>
+                          <p:cTn id="4" fill="hold">
+                            <p:stCondLst>
+                              <p:cond delay="0"/>
+                            </p:stCondLst>
+                            <p:childTnLst>
+                              <p:par>
+                                <p:cTn id="5" presetID="2" presetClass="entr" presetSubtype="8" fill="hold" nodeType="withEffect">
+                                  <p:stCondLst>
+                                    <p:cond delay="0"/>
+                                  </p:stCondLst>
+                                  <p:childTnLst>
+                                    <p:set>
+                                      <p:cBhvr>
+                                        <p:cTn id="6" dur="1" fill="hold">
+                                          <p:stCondLst>
+                                            <p:cond delay="0"/>
+                                          </p:stCondLst>
+                                        </p:cTn>
+                                        <p:tgtEl>
+                                          <p:spTgt spid="27"/>
+                                        </p:tgtEl>
+                                        <p:attrNameLst>
+                                          <p:attrName>style.visibility</p:attrName>
+                                        </p:attrNameLst>
+                                      </p:cBhvr>
+                                      <p:to>
+                                        <p:strVal val="visible"/>
+                                      </p:to>
+                                    </p:set>
+                                    <p:anim calcmode="lin" valueType="num">
+                                      <p:cBhvr additive="base">
+                                        <p:cTn id="7" dur="500" fill="hold"/>
+                                        <p:tgtEl>
+                                          <p:spTgt spid="27"/>
+                                        </p:tgtEl>
+                                        <p:attrNameLst>
+                                          <p:attrName>ppt_x</p:attrName>
+                                        </p:attrNameLst>
+                                      </p:cBhvr>
+                                      <p:tavLst>
+                                        <p:tav tm="0">
+                                          <p:val>
+                                            <p:strVal val="0-#ppt_w/2"/>
+                                          </p:val>
+                                        </p:tav>
+                                        <p:tav tm="100000">
+                                          <p:val>
+                                            <p:strVal val="#ppt_x"/>
+                                          </p:val>
+                                        </p:tav>
+                                      </p:tavLst>
+                                    </p:anim>
+                                    <p:anim calcmode="lin" valueType="num">
+                                      <p:cBhvr additive="base">
+                                        <p:cTn id="8" dur="500" fill="hold"/>
+                                        <p:tgtEl>
+                                          <p:spTgt spid="27"/>
+                                        </p:tgtEl>
+                                        <p:attrNameLst>
+                                          <p:attrName>ppt_y</p:attrName>
+                                        </p:attrNameLst>
+                                      </p:cBhvr>
+                                      <p:tavLst>
+                                        <p:tav tm="0">
+                                          <p:val>
+                                            <p:strVal val="#ppt_y"/>
+                                          </p:val>
+                                        </p:tav>
+                                        <p:tav tm="100000">
+                                          <p:val>
+                                            <p:strVal val="#ppt_y"/>
+                                          </p:val>
+                                        </p:tav>
+                                      </p:tavLst>
+                                    </p:anim>
+                                  </p:childTnLst>
+                                </p:cTn>
+                              </p:par>
+                              <p:par>
+                                <p:cTn id="9" presetID="2" presetClass="entr" presetSubtype="2" fill="hold" nodeType="withEffect">
+                                  <p:stCondLst>
+                                    <p:cond delay="0"/>
+                                  </p:stCondLst>
+                                  <p:childTnLst>
+                                    <p:set>
+                                      <p:cBhvr>
+                                        <p:cTn id="10" dur="1" fill="hold">
+                                          <p:stCondLst>
+                                            <p:cond delay="0"/>
+                                          </p:stCondLst>
+                                        </p:cTn>
+                                        <p:tgtEl>
+                                          <p:spTgt spid="28"/>
+                                        </p:tgtEl>
+                                        <p:attrNameLst>
+                                          <p:attrName>style.visibility</p:attrName>
+                                        </p:attrNameLst>
+                                      </p:cBhvr>
+                                      <p:to>
+                                        <p:strVal val="visible"/>
+                                      </p:to>
+                                    </p:set>
+                                    <p:anim calcmode="lin" valueType="num">
+                                      <p:cBhvr additive="base">
+                                        <p:cTn id="11" dur="500" fill="hold"/>
+                                        <p:tgtEl>
+                                          <p:spTgt spid="28"/>
+                                        </p:tgtEl>
+                                        <p:attrNameLst>
+                                          <p:attrName>ppt_x</p:attrName>
+                                        </p:attrNameLst>
+                                      </p:cBhvr>
+                                      <p:tavLst>
+                                        <p:tav tm="0">
+                                          <p:val>
+                                            <p:strVal val="1+#ppt_w/2"/>
+                                          </p:val>
+                                        </p:tav>
+                                        <p:tav tm="100000">
+                                          <p:val>
+                                            <p:strVal val="#ppt_x"/>
+                                          </p:val>
+                                        </p:tav>
+                                      </p:tavLst>
+                                    </p:anim>
+                                    <p:anim calcmode="lin" valueType="num">
+                                      <p:cBhvr additive="base">
+                                        <p:cTn id="12" dur="500" fill="hold"/>
+                                        <p:tgtEl>
+                                          <p:spTgt spid="28"/>
+                                        </p:tgtEl>
+                                        <p:attrNameLst>
+                                          <p:attrName>ppt_y</p:attrName>
+                                        </p:attrNameLst>
+                                      </p:cBhvr>
+                                      <p:tavLst>
+                                        <p:tav tm="0">
+                                          <p:val>
+                                            <p:strVal val="#ppt_y"/>
+                                          </p:val>
+                                        </p:tav>
+                                        <p:tav tm="100000">
+                                          <p:val>
+                                            <p:strVal val="#ppt_y"/>
+                                          </p:val>
+                                        </p:tav>
+                                      </p:tavLst>
+                                    </p:anim>
+                                  </p:childTnLst>
+                                </p:cTn>
+                              </p:par>
+                              <p:par>
+                                <p:cTn id="13" presetID="2" presetClass="entr" presetSubtype="4" fill="hold" grpId="0" nodeType="withEffect">
+                                  <p:stCondLst>
+                                    <p:cond delay="0"/>
+                                  </p:stCondLst>
+                                  <p:childTnLst>
+                                    <p:set>
+                                      <p:cBhvr>
+                                        <p:cTn id="14" dur="1" fill="hold">
+                                          <p:stCondLst>
+                                            <p:cond delay="0"/>
+                                          </p:stCondLst>
+                                        </p:cTn>
+                                        <p:tgtEl>
+                                          <p:spTgt spid="14"/>
+                                        </p:tgtEl>
+                                        <p:attrNameLst>
+                                          <p:attrName>style.visibility</p:attrName>
+                                        </p:attrNameLst>
+                                      </p:cBhvr>
+                                      <p:to>
+                                        <p:strVal val="visible"/>
+                                      </p:to>
+                                    </p:set>
+                                    <p:anim calcmode="lin" valueType="num">
+                                      <p:cBhvr additive="base">
+                                        <p:cTn id="15" dur="500" fill="hold"/>
+                                        <p:tgtEl>
+                                          <p:spTgt spid="14"/>
+                                        </p:tgtEl>
+                                        <p:attrNameLst>
+                                          <p:attrName>ppt_x</p:attrName>
+                                        </p:attrNameLst>
+                                      </p:cBhvr>
+                                      <p:tavLst>
+                                        <p:tav tm="0">
+                                          <p:val>
+                                            <p:strVal val="#ppt_x"/>
+                                          </p:val>
+                                        </p:tav>
+                                        <p:tav tm="100000">
+                                          <p:val>
+                                            <p:strVal val="#ppt_x"/>
+                                          </p:val>
+                                        </p:tav>
+                                      </p:tavLst>
+                                    </p:anim>
+                                    <p:anim calcmode="lin" valueType="num">
+                                      <p:cBhvr additive="base">
+                                        <p:cTn id="16" dur="500" fill="hold"/>
+                                        <p:tgtEl>
+                                          <p:spTgt spid="14"/>
+                                        </p:tgtEl>
+                                        <p:attrNameLst>
+                                          <p:attrName>ppt_y</p:attrName>
+                                        </p:attrNameLst>
+                                      </p:cBhvr>
+                                      <p:tavLst>
+                                        <p:tav tm="0">
+                                          <p:val>
+                                            <p:strVal val="1+#ppt_h/2"/>
+                                          </p:val>
+                                        </p:tav>
+                                        <p:tav tm="100000">
+                                          <p:val>
+                                            <p:strVal val="#ppt_y"/>
+                                          </p:val>
+                                        </p:tav>
+                                      </p:tavLst>
+                                    </p:anim>
+                                  </p:childTnLst>
+                                </p:cTn>
+                              </p:par>
+                              <p:par>
+                                <p:cTn id="17" presetID="2" presetClass="entr" presetSubtype="4" fill="hold" grpId="0" nodeType="withEffect">
+                                  <p:stCondLst>
+                                    <p:cond delay="0"/>
+                                  </p:stCondLst>
+                                  <p:childTnLst>
+                                    <p:set>
+                                      <p:cBhvr>
+                                        <p:cTn id="18" dur="1" fill="hold">
+                                          <p:stCondLst>
+                                            <p:cond delay="0"/>
+                                          </p:stCondLst>
+                                        </p:cTn>
+                                        <p:tgtEl>
+                                          <p:spTgt spid="30"/>
+                                        </p:tgtEl>
+                                        <p:attrNameLst>
+                                          <p:attrName>style.visibility</p:attrName>
+                                        </p:attrNameLst>
+                                      </p:cBhvr>
+                                      <p:to>
+                                        <p:strVal val="visible"/>
+                                      </p:to>
+                                    </p:set>
+                                    <p:anim calcmode="lin" valueType="num">
+                                      <p:cBhvr additive="base">
+                                        <p:cTn id="19" dur="500" fill="hold"/>
+                                        <p:tgtEl>
+                                          <p:spTgt spid="30"/>
+                                        </p:tgtEl>
+                                        <p:attrNameLst>
+                                          <p:attrName>ppt_x</p:attrName>
+                                        </p:attrNameLst>
+                                      </p:cBhvr>
+                                      <p:tavLst>
+                                        <p:tav tm="0">
+                                          <p:val>
+                                            <p:strVal val="#ppt_x"/>
+                                          </p:val>
+                                        </p:tav>
+                                        <p:tav tm="100000">
+                                          <p:val>
+                                            <p:strVal val="#ppt_x"/>
+                                          </p:val>
+                                        </p:tav>
+                                      </p:tavLst>
+                                    </p:anim>
+                                    <p:anim calcmode="lin" valueType="num">
+                                      <p:cBhvr additive="base">
+                                        <p:cTn id="20" dur="500" fill="hold"/>
+                                        <p:tgtEl>
+                                          <p:spTgt spid="30"/>
+                                        </p:tgtEl>
+                                        <p:attrNameLst>
+                                          <p:attrName>ppt_y</p:attrName>
+                                        </p:attrNameLst>
+                                      </p:cBhvr>
+                                      <p:tavLst>
+                                        <p:tav tm="0">
+                                          <p:val>
+                                            <p:strVal val="1+#ppt_h/2"/>
+                                          </p:val>
+                                        </p:tav>
+                                        <p:tav tm="100000">
+                                          <p:val>
+                                            <p:strVal val="#ppt_y"/>
+                                          </p:val>
+                                        </p:tav>
+                                      </p:tavLst>
+                                    </p:anim>
+                                  </p:childTnLst>
+                                </p:cTn>
+                              </p:par>
+                            </p:childTnLst>
+                          </p:cTn>
+                        </p:par>
+                      </p:childTnLst>
+                    </p:cTn>
+                  </p:par>
+                </p:childTnLst>
+              </p:cTn>
+              <p:prevCondLst>
+                <p:cond evt="onPrev" delay="0">
+                  <p:tgtEl>
+                    <p:sldTgt/>
+                  </p:tgtEl>
+                </p:cond>
+              </p:prevCondLst>
+              <p:nextCondLst>
+                <p:cond evt="onNext" delay="0">
+                  <p:tgtEl>
+                    <p:sldTgt/>
+                  </p:tgtEl>
+                </p:cond>
+              </p:nextCondLst>
+            </p:seq>
+          </p:childTnLst>
+        </p:cTn>
+      </p:par>
+    </p:tnLst>
+    <p:bldLst>
+      <p:bldP spid="14" grpId="0"/>
+      <p:bldP spid="30" grpId="0"/>
+    </p:bldLst>
+  </p:timing>
 </p:sld>
 </file>
 
@@ -14272,39 +15161,40 @@
       </p:grpSpPr>
       <p:pic>
         <p:nvPicPr>
-          <p:cNvPr id="21" name="Рисунок 20">
-            <a:extLst>
-              <a:ext uri="{FF2B5EF4-FFF2-40B4-BE49-F238E27FC236}">
-                <a16:creationId xmlns:a16="http://schemas.microsoft.com/office/drawing/2014/main" id="{D5BA41B0-5F2A-4A56-ADB6-84917EB69F23}"/>
+          <p:cNvPr id="4" name="Рисунок 3">
+            <a:extLst>
+              <a:ext uri="{FF2B5EF4-FFF2-40B4-BE49-F238E27FC236}">
+                <a16:creationId xmlns:a16="http://schemas.microsoft.com/office/drawing/2014/main" id="{AF4A7922-0959-488D-84BC-EA7CF302AC26}"/>
               </a:ext>
             </a:extLst>
           </p:cNvPr>
           <p:cNvPicPr>
-            <a:picLocks noGrp="1" noChangeAspect="1"/>
+            <a:picLocks noChangeAspect="1"/>
           </p:cNvPicPr>
-          <p:nvPr>
-            <p:ph type="pic" sz="quarter" idx="33"/>
-          </p:nvPr>
+          <p:nvPr/>
         </p:nvPicPr>
-        <p:blipFill rotWithShape="1">
+        <p:blipFill>
           <a:blip r:embed="rId3"/>
-          <a:srcRect l="55647" t="-17718" r="-3269" b="-17718"/>
-          <a:stretch/>
+          <a:stretch>
+            <a:fillRect/>
+          </a:stretch>
         </p:blipFill>
         <p:spPr>
-          <a:xfrm flipH="1">
-            <a:off x="9978899" y="1502109"/>
-            <a:ext cx="2218014" cy="4151153"/>
+          <a:xfrm>
+            <a:off x="1294904" y="1269543"/>
+            <a:ext cx="8053441" cy="5463097"/>
           </a:xfrm>
-          <a:noFill/>
+          <a:prstGeom prst="rect">
+            <a:avLst/>
+          </a:prstGeom>
         </p:spPr>
       </p:pic>
       <p:sp>
         <p:nvSpPr>
-          <p:cNvPr id="9" name="Прямоугольник: скругленные углы 8">
-            <a:extLst>
-              <a:ext uri="{FF2B5EF4-FFF2-40B4-BE49-F238E27FC236}">
-                <a16:creationId xmlns:a16="http://schemas.microsoft.com/office/drawing/2014/main" id="{81A9978E-9B7A-4847-ADAB-0F14AC67C1FC}"/>
+          <p:cNvPr id="8" name="Прямоугольник: скругленные углы 7">
+            <a:extLst>
+              <a:ext uri="{FF2B5EF4-FFF2-40B4-BE49-F238E27FC236}">
+                <a16:creationId xmlns:a16="http://schemas.microsoft.com/office/drawing/2014/main" id="{527ECE0A-DA17-4944-83DF-6544AA969C53}"/>
               </a:ext>
             </a:extLst>
           </p:cNvPr>
@@ -14369,7 +15259,7 @@
                 <a:latin typeface="Arial" panose="020B0604020202020204" pitchFamily="34" charset="0"/>
                 <a:cs typeface="Arial" panose="020B0604020202020204" pitchFamily="34" charset="0"/>
               </a:rPr>
-              <a:t>Діаграма прецедентів</a:t>
+              <a:t>Опис програми – постановка задачі</a:t>
             </a:r>
             <a:endParaRPr lang="ru-RU" sz="1600" b="1" dirty="0">
               <a:solidFill>
@@ -14383,10 +15273,10 @@
       </p:sp>
       <p:sp>
         <p:nvSpPr>
-          <p:cNvPr id="11" name="Номер слайда 5">
-            <a:extLst>
-              <a:ext uri="{FF2B5EF4-FFF2-40B4-BE49-F238E27FC236}">
-                <a16:creationId xmlns:a16="http://schemas.microsoft.com/office/drawing/2014/main" id="{28A47E01-3F9F-4ED8-80E4-64A478A05337}"/>
+          <p:cNvPr id="9" name="Номер слайда 5">
+            <a:extLst>
+              <a:ext uri="{FF2B5EF4-FFF2-40B4-BE49-F238E27FC236}">
+                <a16:creationId xmlns:a16="http://schemas.microsoft.com/office/drawing/2014/main" id="{A4B92EC0-2144-47E8-AC99-9085BFD02BF4}"/>
               </a:ext>
             </a:extLst>
           </p:cNvPr>
@@ -14435,6 +15325,295 @@
               </a:rPr>
               <a:pPr algn="ctr" rtl="0"/>
               <a:t>5</a:t>
+            </a:fld>
+            <a:endParaRPr lang="ru-RU" sz="2400" i="1" dirty="0">
+              <a:solidFill>
+                <a:schemeClr val="tx1"/>
+              </a:solidFill>
+              <a:latin typeface="Arial" panose="020B0604020202020204" pitchFamily="34" charset="0"/>
+              <a:cs typeface="Arial" panose="020B0604020202020204" pitchFamily="34" charset="0"/>
+            </a:endParaRPr>
+          </a:p>
+        </p:txBody>
+      </p:sp>
+      <p:sp>
+        <p:nvSpPr>
+          <p:cNvPr id="2" name="Прямоугольник 1">
+            <a:extLst>
+              <a:ext uri="{FF2B5EF4-FFF2-40B4-BE49-F238E27FC236}">
+                <a16:creationId xmlns:a16="http://schemas.microsoft.com/office/drawing/2014/main" id="{274B40EF-C45F-4EFE-BCF0-D4E9C9546183}"/>
+              </a:ext>
+            </a:extLst>
+          </p:cNvPr>
+          <p:cNvSpPr/>
+          <p:nvPr/>
+        </p:nvSpPr>
+        <p:spPr>
+          <a:xfrm>
+            <a:off x="457199" y="1095286"/>
+            <a:ext cx="9020175" cy="923330"/>
+          </a:xfrm>
+          <a:prstGeom prst="rect">
+            <a:avLst/>
+          </a:prstGeom>
+        </p:spPr>
+        <p:txBody>
+          <a:bodyPr wrap="square">
+            <a:spAutoFit/>
+          </a:bodyPr>
+          <a:lstStyle/>
+          <a:p>
+            <a:r>
+              <a:rPr lang="uk-UA" dirty="0">
+                <a:latin typeface="Arial" panose="020B0604020202020204" pitchFamily="34" charset="0"/>
+                <a:ea typeface="Calibri" panose="020F0502020204030204" pitchFamily="34" charset="0"/>
+                <a:cs typeface="Arial" panose="020B0604020202020204" pitchFamily="34" charset="0"/>
+              </a:rPr>
+              <a:t>Розробити навчальну гру «Вгадай колір». При її розробці використовуючи парадигму ООП реалізувати програму, яка у ігровій формі розвиває розуміння RGB-простору</a:t>
+            </a:r>
+            <a:endParaRPr lang="ru-RU" dirty="0">
+              <a:latin typeface="Arial" panose="020B0604020202020204" pitchFamily="34" charset="0"/>
+              <a:cs typeface="Arial" panose="020B0604020202020204" pitchFamily="34" charset="0"/>
+            </a:endParaRPr>
+          </a:p>
+        </p:txBody>
+      </p:sp>
+      <p:pic>
+        <p:nvPicPr>
+          <p:cNvPr id="3" name="Рисунок 2">
+            <a:extLst>
+              <a:ext uri="{FF2B5EF4-FFF2-40B4-BE49-F238E27FC236}">
+                <a16:creationId xmlns:a16="http://schemas.microsoft.com/office/drawing/2014/main" id="{3DC33D15-538C-47BA-9320-BD9C88966A74}"/>
+              </a:ext>
+            </a:extLst>
+          </p:cNvPr>
+          <p:cNvPicPr>
+            <a:picLocks noChangeAspect="1"/>
+          </p:cNvPicPr>
+          <p:nvPr/>
+        </p:nvPicPr>
+        <p:blipFill rotWithShape="1">
+          <a:blip r:embed="rId4"/>
+          <a:srcRect l="5951" r="6650"/>
+          <a:stretch/>
+        </p:blipFill>
+        <p:spPr>
+          <a:xfrm>
+            <a:off x="10157457" y="1095286"/>
+            <a:ext cx="2034543" cy="4361908"/>
+          </a:xfrm>
+          <a:prstGeom prst="rect">
+            <a:avLst/>
+          </a:prstGeom>
+        </p:spPr>
+      </p:pic>
+    </p:spTree>
+    <p:extLst>
+      <p:ext uri="{BB962C8B-B14F-4D97-AF65-F5344CB8AC3E}">
+        <p14:creationId xmlns:p14="http://schemas.microsoft.com/office/powerpoint/2010/main" val="2783819451"/>
+      </p:ext>
+    </p:extLst>
+  </p:cSld>
+  <p:clrMapOvr>
+    <a:masterClrMapping/>
+  </p:clrMapOvr>
+  <mc:AlternateContent xmlns:mc="http://schemas.openxmlformats.org/markup-compatibility/2006" xmlns:p14="http://schemas.microsoft.com/office/powerpoint/2010/main">
+    <mc:Choice Requires="p14">
+      <p:transition spd="med" p14:dur="700">
+        <p:fade/>
+      </p:transition>
+    </mc:Choice>
+    <mc:Fallback xmlns="">
+      <p:transition spd="med">
+        <p:fade/>
+      </p:transition>
+    </mc:Fallback>
+  </mc:AlternateContent>
+</p:sld>
+</file>
+
+<file path=ppt/slides/slide6.xml><?xml version="1.0" encoding="utf-8"?>
+<p:sld xmlns:a="http://schemas.openxmlformats.org/drawingml/2006/main" xmlns:r="http://schemas.openxmlformats.org/officeDocument/2006/relationships" xmlns:p="http://schemas.openxmlformats.org/presentationml/2006/main" showMasterSp="0">
+  <p:cSld>
+    <p:spTree>
+      <p:nvGrpSpPr>
+        <p:cNvPr id="1" name=""/>
+        <p:cNvGrpSpPr/>
+        <p:nvPr/>
+      </p:nvGrpSpPr>
+      <p:grpSpPr>
+        <a:xfrm>
+          <a:off x="0" y="0"/>
+          <a:ext cx="0" cy="0"/>
+          <a:chOff x="0" y="0"/>
+          <a:chExt cx="0" cy="0"/>
+        </a:xfrm>
+      </p:grpSpPr>
+      <p:pic>
+        <p:nvPicPr>
+          <p:cNvPr id="21" name="Рисунок 20">
+            <a:extLst>
+              <a:ext uri="{FF2B5EF4-FFF2-40B4-BE49-F238E27FC236}">
+                <a16:creationId xmlns:a16="http://schemas.microsoft.com/office/drawing/2014/main" id="{D5BA41B0-5F2A-4A56-ADB6-84917EB69F23}"/>
+              </a:ext>
+            </a:extLst>
+          </p:cNvPr>
+          <p:cNvPicPr>
+            <a:picLocks noGrp="1" noChangeAspect="1"/>
+          </p:cNvPicPr>
+          <p:nvPr>
+            <p:ph type="pic" sz="quarter" idx="33"/>
+          </p:nvPr>
+        </p:nvPicPr>
+        <p:blipFill rotWithShape="1">
+          <a:blip r:embed="rId3"/>
+          <a:srcRect l="55647" t="-17718" r="-3269" b="-17718"/>
+          <a:stretch/>
+        </p:blipFill>
+        <p:spPr>
+          <a:xfrm flipH="1">
+            <a:off x="9978899" y="1502109"/>
+            <a:ext cx="2218014" cy="4151153"/>
+          </a:xfrm>
+          <a:noFill/>
+        </p:spPr>
+      </p:pic>
+      <p:sp>
+        <p:nvSpPr>
+          <p:cNvPr id="9" name="Прямоугольник: скругленные углы 8">
+            <a:extLst>
+              <a:ext uri="{FF2B5EF4-FFF2-40B4-BE49-F238E27FC236}">
+                <a16:creationId xmlns:a16="http://schemas.microsoft.com/office/drawing/2014/main" id="{81A9978E-9B7A-4847-ADAB-0F14AC67C1FC}"/>
+              </a:ext>
+            </a:extLst>
+          </p:cNvPr>
+          <p:cNvSpPr/>
+          <p:nvPr/>
+        </p:nvSpPr>
+        <p:spPr>
+          <a:xfrm>
+            <a:off x="292101" y="325760"/>
+            <a:ext cx="9488044" cy="666000"/>
+          </a:xfrm>
+          <a:prstGeom prst="roundRect">
+            <a:avLst>
+              <a:gd name="adj" fmla="val 10987"/>
+            </a:avLst>
+          </a:prstGeom>
+          <a:solidFill>
+            <a:srgbClr val="DCDCDC">
+              <a:alpha val="37000"/>
+            </a:srgbClr>
+          </a:solidFill>
+          <a:ln w="15875">
+            <a:solidFill>
+              <a:schemeClr val="tx1">
+                <a:lumMod val="65000"/>
+                <a:lumOff val="35000"/>
+                <a:alpha val="19000"/>
+              </a:schemeClr>
+            </a:solidFill>
+          </a:ln>
+        </p:spPr>
+        <p:style>
+          <a:lnRef idx="2">
+            <a:schemeClr val="accent1">
+              <a:shade val="50000"/>
+            </a:schemeClr>
+          </a:lnRef>
+          <a:fillRef idx="1">
+            <a:schemeClr val="accent1"/>
+          </a:fillRef>
+          <a:effectRef idx="0">
+            <a:schemeClr val="accent1"/>
+          </a:effectRef>
+          <a:fontRef idx="minor">
+            <a:schemeClr val="lt1"/>
+          </a:fontRef>
+        </p:style>
+        <p:txBody>
+          <a:bodyPr lIns="216000" numCol="1" spcCol="648000" rtlCol="0" anchor="ctr"/>
+          <a:lstStyle/>
+          <a:p>
+            <a:pPr>
+              <a:spcBef>
+                <a:spcPts val="600"/>
+              </a:spcBef>
+            </a:pPr>
+            <a:r>
+              <a:rPr lang="uk-UA" b="1" dirty="0">
+                <a:solidFill>
+                  <a:schemeClr val="tx1"/>
+                </a:solidFill>
+                <a:latin typeface="Arial" panose="020B0604020202020204" pitchFamily="34" charset="0"/>
+                <a:cs typeface="Arial" panose="020B0604020202020204" pitchFamily="34" charset="0"/>
+              </a:rPr>
+              <a:t>Опис програми – діаграма прецедентів</a:t>
+            </a:r>
+            <a:endParaRPr lang="ru-RU" sz="1600" b="1" dirty="0">
+              <a:solidFill>
+                <a:schemeClr val="tx1"/>
+              </a:solidFill>
+              <a:latin typeface="Arial" panose="020B0604020202020204" pitchFamily="34" charset="0"/>
+              <a:cs typeface="Arial" panose="020B0604020202020204" pitchFamily="34" charset="0"/>
+            </a:endParaRPr>
+          </a:p>
+        </p:txBody>
+      </p:sp>
+      <p:sp>
+        <p:nvSpPr>
+          <p:cNvPr id="11" name="Номер слайда 5">
+            <a:extLst>
+              <a:ext uri="{FF2B5EF4-FFF2-40B4-BE49-F238E27FC236}">
+                <a16:creationId xmlns:a16="http://schemas.microsoft.com/office/drawing/2014/main" id="{28A47E01-3F9F-4ED8-80E4-64A478A05337}"/>
+              </a:ext>
+            </a:extLst>
+          </p:cNvPr>
+          <p:cNvSpPr>
+            <a:spLocks noGrp="1"/>
+          </p:cNvSpPr>
+          <p:nvPr>
+            <p:ph type="sldNum" sz="quarter" idx="34"/>
+          </p:nvPr>
+        </p:nvSpPr>
+        <p:spPr>
+          <a:xfrm>
+            <a:off x="9970644" y="6199240"/>
+            <a:ext cx="2034543" cy="416572"/>
+          </a:xfrm>
+          <a:prstGeom prst="roundRect">
+            <a:avLst/>
+          </a:prstGeom>
+          <a:solidFill>
+            <a:srgbClr val="DCDCDC">
+              <a:alpha val="37000"/>
+            </a:srgbClr>
+          </a:solidFill>
+          <a:ln w="15875">
+            <a:solidFill>
+              <a:schemeClr val="tx1">
+                <a:lumMod val="65000"/>
+                <a:lumOff val="35000"/>
+                <a:alpha val="19000"/>
+              </a:schemeClr>
+            </a:solidFill>
+          </a:ln>
+        </p:spPr>
+        <p:txBody>
+          <a:bodyPr rtlCol="0"/>
+          <a:lstStyle/>
+          <a:p>
+            <a:pPr algn="ctr" rtl="0"/>
+            <a:fld id="{19B51A1E-902D-48AF-9020-955120F399B6}" type="slidenum">
+              <a:rPr lang="ru-RU" sz="2400" i="1" smtClean="0">
+                <a:solidFill>
+                  <a:schemeClr val="tx1"/>
+                </a:solidFill>
+                <a:latin typeface="Arial" panose="020B0604020202020204" pitchFamily="34" charset="0"/>
+                <a:cs typeface="Arial" panose="020B0604020202020204" pitchFamily="34" charset="0"/>
+              </a:rPr>
+              <a:pPr algn="ctr" rtl="0"/>
+              <a:t>6</a:t>
             </a:fld>
             <a:endParaRPr lang="ru-RU" sz="2400" i="1" dirty="0">
               <a:solidFill>
@@ -14510,7 +15689,7 @@
 </p:sld>
 </file>
 
-<file path=ppt/slides/slide6.xml><?xml version="1.0" encoding="utf-8"?>
+<file path=ppt/slides/slide7.xml><?xml version="1.0" encoding="utf-8"?>
 <p:sld xmlns:a="http://schemas.openxmlformats.org/drawingml/2006/main" xmlns:r="http://schemas.openxmlformats.org/officeDocument/2006/relationships" xmlns:p="http://schemas.openxmlformats.org/presentationml/2006/main" showMasterSp="0">
   <p:cSld>
     <p:spTree>
@@ -14597,7 +15776,7 @@
                 <a:latin typeface="Arial" panose="020B0604020202020204" pitchFamily="34" charset="0"/>
                 <a:cs typeface="Arial" panose="020B0604020202020204" pitchFamily="34" charset="0"/>
               </a:rPr>
-              <a:t>Діаграма класів</a:t>
+              <a:t>Опис програми – діаграма класів</a:t>
             </a:r>
             <a:endParaRPr lang="ru-RU" sz="1600" b="1" dirty="0">
               <a:solidFill>
@@ -14662,7 +15841,7 @@
                 <a:cs typeface="Arial" panose="020B0604020202020204" pitchFamily="34" charset="0"/>
               </a:rPr>
               <a:pPr algn="ctr" rtl="0"/>
-              <a:t>6</a:t>
+              <a:t>7</a:t>
             </a:fld>
             <a:endParaRPr lang="ru-RU" sz="2400" i="1" dirty="0">
               <a:solidFill>
@@ -14676,51 +15855,6 @@
       </p:sp>
       <p:pic>
         <p:nvPicPr>
-          <p:cNvPr id="2052" name="Picture 4" descr="85,552 en la categoría «Color palette square» de fotos e imágenes de stock  libres de regalías | Shutterstock">
-            <a:extLst>
-              <a:ext uri="{FF2B5EF4-FFF2-40B4-BE49-F238E27FC236}">
-                <a16:creationId xmlns:a16="http://schemas.microsoft.com/office/drawing/2014/main" id="{FB25257B-8BBF-488D-9A4C-8D21AAD63A78}"/>
-              </a:ext>
-            </a:extLst>
-          </p:cNvPr>
-          <p:cNvPicPr>
-            <a:picLocks noChangeAspect="1" noChangeArrowheads="1"/>
-          </p:cNvPicPr>
-          <p:nvPr/>
-        </p:nvPicPr>
-        <p:blipFill rotWithShape="1">
-          <a:blip r:embed="rId3">
-            <a:extLst>
-              <a:ext uri="{28A0092B-C50C-407E-A947-70E740481C1C}">
-                <a14:useLocalDpi xmlns:a14="http://schemas.microsoft.com/office/drawing/2010/main" val="0"/>
-              </a:ext>
-            </a:extLst>
-          </a:blip>
-          <a:srcRect r="31199"/>
-          <a:stretch/>
-        </p:blipFill>
-        <p:spPr bwMode="auto">
-          <a:xfrm>
-            <a:off x="9970644" y="1814666"/>
-            <a:ext cx="2221356" cy="3228668"/>
-          </a:xfrm>
-          <a:prstGeom prst="rect">
-            <a:avLst/>
-          </a:prstGeom>
-          <a:noFill/>
-          <a:extLst>
-            <a:ext uri="{909E8E84-426E-40DD-AFC4-6F175D3DCCD1}">
-              <a14:hiddenFill xmlns:a14="http://schemas.microsoft.com/office/drawing/2010/main">
-                <a:solidFill>
-                  <a:srgbClr val="FFFFFF"/>
-                </a:solidFill>
-              </a14:hiddenFill>
-            </a:ext>
-          </a:extLst>
-        </p:spPr>
-      </p:pic>
-      <p:pic>
-        <p:nvPicPr>
           <p:cNvPr id="5" name="Рисунок 4">
             <a:extLst>
               <a:ext uri="{FF2B5EF4-FFF2-40B4-BE49-F238E27FC236}">
@@ -14732,7 +15866,7 @@
           <p:nvPr/>
         </p:nvPicPr>
         <p:blipFill>
-          <a:blip r:embed="rId4" cstate="print">
+          <a:blip r:embed="rId3" cstate="print">
             <a:extLst>
               <a:ext uri="{28A0092B-C50C-407E-A947-70E740481C1C}">
                 <a14:useLocalDpi xmlns:a14="http://schemas.microsoft.com/office/drawing/2010/main" val="0"/>
@@ -14756,6 +15890,51 @@
           <a:ln>
             <a:noFill/>
           </a:ln>
+        </p:spPr>
+      </p:pic>
+      <p:pic>
+        <p:nvPicPr>
+          <p:cNvPr id="3074" name="Picture 2" descr="Color Image Classification">
+            <a:extLst>
+              <a:ext uri="{FF2B5EF4-FFF2-40B4-BE49-F238E27FC236}">
+                <a16:creationId xmlns:a16="http://schemas.microsoft.com/office/drawing/2014/main" id="{0C7527A9-97CB-4DD1-A301-1B63A8D3C96E}"/>
+              </a:ext>
+            </a:extLst>
+          </p:cNvPr>
+          <p:cNvPicPr>
+            <a:picLocks noChangeAspect="1" noChangeArrowheads="1"/>
+          </p:cNvPicPr>
+          <p:nvPr/>
+        </p:nvPicPr>
+        <p:blipFill rotWithShape="1">
+          <a:blip r:embed="rId4">
+            <a:extLst>
+              <a:ext uri="{28A0092B-C50C-407E-A947-70E740481C1C}">
+                <a14:useLocalDpi xmlns:a14="http://schemas.microsoft.com/office/drawing/2010/main" val="0"/>
+              </a:ext>
+            </a:extLst>
+          </a:blip>
+          <a:srcRect r="28065"/>
+          <a:stretch/>
+        </p:blipFill>
+        <p:spPr bwMode="auto">
+          <a:xfrm>
+            <a:off x="9780145" y="1904918"/>
+            <a:ext cx="2411855" cy="3238500"/>
+          </a:xfrm>
+          <a:prstGeom prst="rect">
+            <a:avLst/>
+          </a:prstGeom>
+          <a:noFill/>
+          <a:extLst>
+            <a:ext uri="{909E8E84-426E-40DD-AFC4-6F175D3DCCD1}">
+              <a14:hiddenFill xmlns:a14="http://schemas.microsoft.com/office/drawing/2010/main">
+                <a:solidFill>
+                  <a:srgbClr val="FFFFFF"/>
+                </a:solidFill>
+              </a14:hiddenFill>
+            </a:ext>
+          </a:extLst>
         </p:spPr>
       </p:pic>
     </p:spTree>
@@ -14783,7 +15962,7 @@
 </p:sld>
 </file>
 
-<file path=ppt/slides/slide7.xml><?xml version="1.0" encoding="utf-8"?>
+<file path=ppt/slides/slide8.xml><?xml version="1.0" encoding="utf-8"?>
 <p:sld xmlns:a="http://schemas.openxmlformats.org/drawingml/2006/main" xmlns:r="http://schemas.openxmlformats.org/officeDocument/2006/relationships" xmlns:p="http://schemas.openxmlformats.org/presentationml/2006/main" showMasterSp="0">
   <p:cSld>
     <p:spTree>
@@ -14965,7 +16144,7 @@
                 <a:cs typeface="Arial" panose="020B0604020202020204" pitchFamily="34" charset="0"/>
               </a:rPr>
               <a:pPr algn="ctr" rtl="0"/>
-              <a:t>7</a:t>
+              <a:t>8</a:t>
             </a:fld>
             <a:endParaRPr lang="ru-RU" sz="2400" i="1" dirty="0">
               <a:solidFill>
@@ -14979,10 +16158,40 @@
       </p:sp>
       <p:pic>
         <p:nvPicPr>
-          <p:cNvPr id="7170" name="Picture 2" descr="Additive color model and color spaces explained | Lightricks Tech Blog">
-            <a:extLst>
-              <a:ext uri="{FF2B5EF4-FFF2-40B4-BE49-F238E27FC236}">
-                <a16:creationId xmlns:a16="http://schemas.microsoft.com/office/drawing/2014/main" id="{A43EC9D6-3E0A-4BE6-94EE-9B00476AFB43}"/>
+          <p:cNvPr id="6" name="Рисунок 5">
+            <a:extLst>
+              <a:ext uri="{FF2B5EF4-FFF2-40B4-BE49-F238E27FC236}">
+                <a16:creationId xmlns:a16="http://schemas.microsoft.com/office/drawing/2014/main" id="{7EB006DD-58A6-4553-8506-FA12C60BBD95}"/>
+              </a:ext>
+            </a:extLst>
+          </p:cNvPr>
+          <p:cNvPicPr>
+            <a:picLocks noChangeAspect="1"/>
+          </p:cNvPicPr>
+          <p:nvPr/>
+        </p:nvPicPr>
+        <p:blipFill>
+          <a:blip r:embed="rId4"/>
+          <a:stretch>
+            <a:fillRect/>
+          </a:stretch>
+        </p:blipFill>
+        <p:spPr>
+          <a:xfrm>
+            <a:off x="4464622" y="4151957"/>
+            <a:ext cx="2012377" cy="1609508"/>
+          </a:xfrm>
+          <a:prstGeom prst="rect">
+            <a:avLst/>
+          </a:prstGeom>
+        </p:spPr>
+      </p:pic>
+      <p:pic>
+        <p:nvPicPr>
+          <p:cNvPr id="2050" name="Picture 2" descr="Color models">
+            <a:extLst>
+              <a:ext uri="{FF2B5EF4-FFF2-40B4-BE49-F238E27FC236}">
+                <a16:creationId xmlns:a16="http://schemas.microsoft.com/office/drawing/2014/main" id="{7E4985E8-E6B2-434E-AB4B-99BFFD2D8675}"/>
               </a:ext>
             </a:extLst>
           </p:cNvPr>
@@ -14992,20 +16201,20 @@
           <p:nvPr/>
         </p:nvPicPr>
         <p:blipFill rotWithShape="1">
-          <a:blip r:embed="rId4">
+          <a:blip r:embed="rId5">
             <a:extLst>
               <a:ext uri="{28A0092B-C50C-407E-A947-70E740481C1C}">
                 <a14:useLocalDpi xmlns:a14="http://schemas.microsoft.com/office/drawing/2010/main" val="0"/>
               </a:ext>
             </a:extLst>
           </a:blip>
-          <a:srcRect l="29515" t="3972" r="41333"/>
+          <a:srcRect l="9947" r="44175"/>
           <a:stretch/>
         </p:blipFill>
         <p:spPr bwMode="auto">
           <a:xfrm>
-            <a:off x="9970644" y="1092200"/>
-            <a:ext cx="2221356" cy="4875212"/>
+            <a:off x="9780145" y="1143000"/>
+            <a:ext cx="2411855" cy="4572000"/>
           </a:xfrm>
           <a:prstGeom prst="rect">
             <a:avLst/>
@@ -15020,36 +16229,6 @@
               </a14:hiddenFill>
             </a:ext>
           </a:extLst>
-        </p:spPr>
-      </p:pic>
-      <p:pic>
-        <p:nvPicPr>
-          <p:cNvPr id="6" name="Рисунок 5">
-            <a:extLst>
-              <a:ext uri="{FF2B5EF4-FFF2-40B4-BE49-F238E27FC236}">
-                <a16:creationId xmlns:a16="http://schemas.microsoft.com/office/drawing/2014/main" id="{7EB006DD-58A6-4553-8506-FA12C60BBD95}"/>
-              </a:ext>
-            </a:extLst>
-          </p:cNvPr>
-          <p:cNvPicPr>
-            <a:picLocks noChangeAspect="1"/>
-          </p:cNvPicPr>
-          <p:nvPr/>
-        </p:nvPicPr>
-        <p:blipFill>
-          <a:blip r:embed="rId5"/>
-          <a:stretch>
-            <a:fillRect/>
-          </a:stretch>
-        </p:blipFill>
-        <p:spPr>
-          <a:xfrm>
-            <a:off x="4464622" y="4151957"/>
-            <a:ext cx="2012377" cy="1609508"/>
-          </a:xfrm>
-          <a:prstGeom prst="rect">
-            <a:avLst/>
-          </a:prstGeom>
         </p:spPr>
       </p:pic>
     </p:spTree>
@@ -15077,7 +16256,7 @@
 </p:sld>
 </file>
 
-<file path=ppt/slides/slide8.xml><?xml version="1.0" encoding="utf-8"?>
+<file path=ppt/slides/slide9.xml><?xml version="1.0" encoding="utf-8"?>
 <p:sld xmlns:a="http://schemas.openxmlformats.org/drawingml/2006/main" xmlns:r="http://schemas.openxmlformats.org/officeDocument/2006/relationships" xmlns:p="http://schemas.openxmlformats.org/presentationml/2006/main" showMasterSp="0">
   <p:cSld>
     <p:spTree>
@@ -15229,7 +16408,7 @@
                 <a:cs typeface="Arial" panose="020B0604020202020204" pitchFamily="34" charset="0"/>
               </a:rPr>
               <a:pPr algn="ctr" rtl="0"/>
-              <a:t>8</a:t>
+              <a:t>9</a:t>
             </a:fld>
             <a:endParaRPr lang="ru-RU" sz="2400" i="1" dirty="0">
               <a:solidFill>
@@ -15241,51 +16420,6 @@
           </a:p>
         </p:txBody>
       </p:sp>
-      <p:pic>
-        <p:nvPicPr>
-          <p:cNvPr id="7170" name="Picture 2" descr="Additive color model and color spaces explained | Lightricks Tech Blog">
-            <a:extLst>
-              <a:ext uri="{FF2B5EF4-FFF2-40B4-BE49-F238E27FC236}">
-                <a16:creationId xmlns:a16="http://schemas.microsoft.com/office/drawing/2014/main" id="{A43EC9D6-3E0A-4BE6-94EE-9B00476AFB43}"/>
-              </a:ext>
-            </a:extLst>
-          </p:cNvPr>
-          <p:cNvPicPr>
-            <a:picLocks noChangeAspect="1" noChangeArrowheads="1"/>
-          </p:cNvPicPr>
-          <p:nvPr/>
-        </p:nvPicPr>
-        <p:blipFill rotWithShape="1">
-          <a:blip r:embed="rId3">
-            <a:extLst>
-              <a:ext uri="{28A0092B-C50C-407E-A947-70E740481C1C}">
-                <a14:useLocalDpi xmlns:a14="http://schemas.microsoft.com/office/drawing/2010/main" val="0"/>
-              </a:ext>
-            </a:extLst>
-          </a:blip>
-          <a:srcRect l="29515" t="3972" r="41333"/>
-          <a:stretch/>
-        </p:blipFill>
-        <p:spPr bwMode="auto">
-          <a:xfrm>
-            <a:off x="9970644" y="1092200"/>
-            <a:ext cx="2221356" cy="4875212"/>
-          </a:xfrm>
-          <a:prstGeom prst="rect">
-            <a:avLst/>
-          </a:prstGeom>
-          <a:noFill/>
-          <a:extLst>
-            <a:ext uri="{909E8E84-426E-40DD-AFC4-6F175D3DCCD1}">
-              <a14:hiddenFill xmlns:a14="http://schemas.microsoft.com/office/drawing/2010/main">
-                <a:solidFill>
-                  <a:srgbClr val="FFFFFF"/>
-                </a:solidFill>
-              </a14:hiddenFill>
-            </a:ext>
-          </a:extLst>
-        </p:spPr>
-      </p:pic>
       <p:sp>
         <p:nvSpPr>
           <p:cNvPr id="7" name="Прямоугольник 6">
@@ -15375,140 +16509,39 @@
           </a:p>
         </p:txBody>
       </p:sp>
+      <p:pic>
+        <p:nvPicPr>
+          <p:cNvPr id="3" name="Рисунок 2">
+            <a:extLst>
+              <a:ext uri="{FF2B5EF4-FFF2-40B4-BE49-F238E27FC236}">
+                <a16:creationId xmlns:a16="http://schemas.microsoft.com/office/drawing/2014/main" id="{7AF4F07F-8AAE-49F8-A42C-411D8438EC94}"/>
+              </a:ext>
+            </a:extLst>
+          </p:cNvPr>
+          <p:cNvPicPr>
+            <a:picLocks noChangeAspect="1"/>
+          </p:cNvPicPr>
+          <p:nvPr/>
+        </p:nvPicPr>
+        <p:blipFill rotWithShape="1">
+          <a:blip r:embed="rId3"/>
+          <a:srcRect r="21390"/>
+          <a:stretch/>
+        </p:blipFill>
+        <p:spPr>
+          <a:xfrm>
+            <a:off x="9311780" y="2267128"/>
+            <a:ext cx="2880220" cy="2323743"/>
+          </a:xfrm>
+          <a:prstGeom prst="rect">
+            <a:avLst/>
+          </a:prstGeom>
+        </p:spPr>
+      </p:pic>
     </p:spTree>
     <p:extLst>
       <p:ext uri="{BB962C8B-B14F-4D97-AF65-F5344CB8AC3E}">
         <p14:creationId xmlns:p14="http://schemas.microsoft.com/office/powerpoint/2010/main" val="966726811"/>
-      </p:ext>
-    </p:extLst>
-  </p:cSld>
-  <p:clrMapOvr>
-    <a:masterClrMapping/>
-  </p:clrMapOvr>
-  <mc:AlternateContent xmlns:mc="http://schemas.openxmlformats.org/markup-compatibility/2006" xmlns:p14="http://schemas.microsoft.com/office/powerpoint/2010/main">
-    <mc:Choice Requires="p14">
-      <p:transition spd="med" p14:dur="700">
-        <p:fade/>
-      </p:transition>
-    </mc:Choice>
-    <mc:Fallback xmlns="">
-      <p:transition spd="med">
-        <p:fade/>
-      </p:transition>
-    </mc:Fallback>
-  </mc:AlternateContent>
-</p:sld>
-</file>
-
-<file path=ppt/slides/slide9.xml><?xml version="1.0" encoding="utf-8"?>
-<p:sld xmlns:a="http://schemas.openxmlformats.org/drawingml/2006/main" xmlns:r="http://schemas.openxmlformats.org/officeDocument/2006/relationships" xmlns:p="http://schemas.openxmlformats.org/presentationml/2006/main" showMasterSp="0">
-  <p:cSld>
-    <p:spTree>
-      <p:nvGrpSpPr>
-        <p:cNvPr id="1" name=""/>
-        <p:cNvGrpSpPr/>
-        <p:nvPr/>
-      </p:nvGrpSpPr>
-      <p:grpSpPr>
-        <a:xfrm>
-          <a:off x="0" y="0"/>
-          <a:ext cx="0" cy="0"/>
-          <a:chOff x="0" y="0"/>
-          <a:chExt cx="0" cy="0"/>
-        </a:xfrm>
-      </p:grpSpPr>
-      <p:pic>
-        <p:nvPicPr>
-          <p:cNvPr id="4098" name="Picture 2" descr="Що означає RGB в освітленні? | Світ ламп">
-            <a:extLst>
-              <a:ext uri="{FF2B5EF4-FFF2-40B4-BE49-F238E27FC236}">
-                <a16:creationId xmlns:a16="http://schemas.microsoft.com/office/drawing/2014/main" id="{977FBEC1-B2F2-43FE-9987-343D7B50A02A}"/>
-              </a:ext>
-            </a:extLst>
-          </p:cNvPr>
-          <p:cNvPicPr>
-            <a:picLocks noChangeAspect="1" noChangeArrowheads="1"/>
-          </p:cNvPicPr>
-          <p:nvPr/>
-        </p:nvPicPr>
-        <p:blipFill rotWithShape="1">
-          <a:blip r:embed="rId3">
-            <a:extLst>
-              <a:ext uri="{28A0092B-C50C-407E-A947-70E740481C1C}">
-                <a14:useLocalDpi xmlns:a14="http://schemas.microsoft.com/office/drawing/2010/main" val="0"/>
-              </a:ext>
-            </a:extLst>
-          </a:blip>
-          <a:srcRect l="57227" t="12200" r="6347" b="11200"/>
-          <a:stretch/>
-        </p:blipFill>
-        <p:spPr bwMode="auto">
-          <a:xfrm>
-            <a:off x="4319586" y="1657350"/>
-            <a:ext cx="3552825" cy="3648074"/>
-          </a:xfrm>
-          <a:prstGeom prst="rect">
-            <a:avLst/>
-          </a:prstGeom>
-          <a:noFill/>
-          <a:extLst>
-            <a:ext uri="{909E8E84-426E-40DD-AFC4-6F175D3DCCD1}">
-              <a14:hiddenFill xmlns:a14="http://schemas.microsoft.com/office/drawing/2010/main">
-                <a:solidFill>
-                  <a:srgbClr val="FFFFFF"/>
-                </a:solidFill>
-              </a14:hiddenFill>
-            </a:ext>
-          </a:extLst>
-        </p:spPr>
-      </p:pic>
-      <p:sp>
-        <p:nvSpPr>
-          <p:cNvPr id="5" name="TextBox 4">
-            <a:extLst>
-              <a:ext uri="{FF2B5EF4-FFF2-40B4-BE49-F238E27FC236}">
-                <a16:creationId xmlns:a16="http://schemas.microsoft.com/office/drawing/2014/main" id="{A4793CC0-CE8F-4FB2-B988-B805F936B613}"/>
-              </a:ext>
-            </a:extLst>
-          </p:cNvPr>
-          <p:cNvSpPr txBox="1"/>
-          <p:nvPr/>
-        </p:nvSpPr>
-        <p:spPr>
-          <a:xfrm>
-            <a:off x="2947987" y="3013501"/>
-            <a:ext cx="6296025" cy="830997"/>
-          </a:xfrm>
-          <a:prstGeom prst="rect">
-            <a:avLst/>
-          </a:prstGeom>
-          <a:noFill/>
-        </p:spPr>
-        <p:txBody>
-          <a:bodyPr wrap="square" rtlCol="0">
-            <a:spAutoFit/>
-          </a:bodyPr>
-          <a:lstStyle/>
-          <a:p>
-            <a:pPr algn="ctr"/>
-            <a:r>
-              <a:rPr lang="uk-UA" sz="4800" b="1" dirty="0">
-                <a:latin typeface="Arial Black" panose="020B0A04020102020204" pitchFamily="34" charset="0"/>
-                <a:cs typeface="Arial" panose="020B0604020202020204" pitchFamily="34" charset="0"/>
-              </a:rPr>
-              <a:t>Дякую за увагу!</a:t>
-            </a:r>
-            <a:endParaRPr lang="ru-RU" sz="4800" b="1" dirty="0">
-              <a:latin typeface="Arial Black" panose="020B0A04020102020204" pitchFamily="34" charset="0"/>
-              <a:cs typeface="Arial" panose="020B0604020202020204" pitchFamily="34" charset="0"/>
-            </a:endParaRPr>
-          </a:p>
-        </p:txBody>
-      </p:sp>
-    </p:spTree>
-    <p:extLst>
-      <p:ext uri="{BB962C8B-B14F-4D97-AF65-F5344CB8AC3E}">
-        <p14:creationId xmlns:p14="http://schemas.microsoft.com/office/powerpoint/2010/main" val="2947655180"/>
       </p:ext>
     </p:extLst>
   </p:cSld>
@@ -16416,24 +17449,6 @@
 </file>
 
 <file path=customXml/item1.xml><?xml version="1.0" encoding="utf-8"?>
-<p:properties xmlns:p="http://schemas.microsoft.com/office/2006/metadata/properties" xmlns:xsi="http://www.w3.org/2001/XMLSchema-instance" xmlns:pc="http://schemas.microsoft.com/office/infopath/2007/PartnerControls">
-  <documentManagement>
-    <_ip_UnifiedCompliancePolicyUIAction xmlns="http://schemas.microsoft.com/sharepoint/v3" xsi:nil="true"/>
-    <_ip_UnifiedCompliancePolicyProperties xmlns="http://schemas.microsoft.com/sharepoint/v3" xsi:nil="true"/>
-  </documentManagement>
-</p:properties>
-</file>
-
-<file path=customXml/item2.xml><?xml version="1.0" encoding="utf-8"?>
-<?mso-contentType ?>
-<FormTemplates xmlns="http://schemas.microsoft.com/sharepoint/v3/contenttype/forms">
-  <Display>DocumentLibraryForm</Display>
-  <Edit>DocumentLibraryForm</Edit>
-  <New>DocumentLibraryForm</New>
-</FormTemplates>
-</file>
-
-<file path=customXml/item3.xml><?xml version="1.0" encoding="utf-8"?>
 <ct:contentTypeSchema xmlns:ct="http://schemas.microsoft.com/office/2006/metadata/contentType" xmlns:ma="http://schemas.microsoft.com/office/2006/metadata/properties/metaAttributes" ct:_="" ma:_="" ma:contentTypeName="Document" ma:contentTypeID="0x010100DEEA25CC0A0AC24199CDC46C25B8B0BC" ma:contentTypeVersion="10" ma:contentTypeDescription="Create a new document." ma:contentTypeScope="" ma:versionID="e3b47856d4cf355c0dacb39e1084d14f">
   <xsd:schema xmlns:xsd="http://www.w3.org/2001/XMLSchema" xmlns:xs="http://www.w3.org/2001/XMLSchema" xmlns:p="http://schemas.microsoft.com/office/2006/metadata/properties" xmlns:ns1="http://schemas.microsoft.com/sharepoint/v3" xmlns:ns2="6dc4bcd6-49db-4c07-9060-8acfc67cef9f" xmlns:ns3="fb0879af-3eba-417a-a55a-ffe6dcd6ca77" targetNamespace="http://schemas.microsoft.com/office/2006/metadata/properties" ma:root="true" ma:fieldsID="a845a615265fdb1f7b12cc65ac20ecbd" ns1:_="" ns2:_="" ns3:_="">
     <xsd:import namespace="http://schemas.microsoft.com/sharepoint/v3"/>
@@ -16641,33 +17656,25 @@
 </ct:contentTypeSchema>
 </file>
 
-<file path=customXml/itemProps1.xml><?xml version="1.0" encoding="utf-8"?>
-<ds:datastoreItem xmlns:ds="http://schemas.openxmlformats.org/officeDocument/2006/customXml" ds:itemID="{E4934E25-8442-49E9-ABDF-3146C4145F3B}">
-  <ds:schemaRefs>
-    <ds:schemaRef ds:uri="http://purl.org/dc/dcmitype/"/>
-    <ds:schemaRef ds:uri="http://purl.org/dc/terms/"/>
-    <ds:schemaRef ds:uri="http://schemas.microsoft.com/office/2006/metadata/properties"/>
-    <ds:schemaRef ds:uri="http://purl.org/dc/elements/1.1/"/>
-    <ds:schemaRef ds:uri="http://schemas.openxmlformats.org/package/2006/metadata/core-properties"/>
-    <ds:schemaRef ds:uri="http://schemas.microsoft.com/office/2006/documentManagement/types"/>
-    <ds:schemaRef ds:uri="6dc4bcd6-49db-4c07-9060-8acfc67cef9f"/>
-    <ds:schemaRef ds:uri="http://schemas.microsoft.com/sharepoint/v3"/>
-    <ds:schemaRef ds:uri="http://schemas.microsoft.com/office/infopath/2007/PartnerControls"/>
-    <ds:schemaRef ds:uri="fb0879af-3eba-417a-a55a-ffe6dcd6ca77"/>
-    <ds:schemaRef ds:uri="http://www.w3.org/XML/1998/namespace"/>
-  </ds:schemaRefs>
-</ds:datastoreItem>
+<file path=customXml/item2.xml><?xml version="1.0" encoding="utf-8"?>
+<?mso-contentType ?>
+<FormTemplates xmlns="http://schemas.microsoft.com/sharepoint/v3/contenttype/forms">
+  <Display>DocumentLibraryForm</Display>
+  <Edit>DocumentLibraryForm</Edit>
+  <New>DocumentLibraryForm</New>
+</FormTemplates>
 </file>
 
-<file path=customXml/itemProps2.xml><?xml version="1.0" encoding="utf-8"?>
-<ds:datastoreItem xmlns:ds="http://schemas.openxmlformats.org/officeDocument/2006/customXml" ds:itemID="{F6CB1848-D3E0-4F10-B640-720BE758B85B}">
-  <ds:schemaRefs>
-    <ds:schemaRef ds:uri="http://schemas.microsoft.com/sharepoint/v3/contenttype/forms"/>
-  </ds:schemaRefs>
-</ds:datastoreItem>
+<file path=customXml/item3.xml><?xml version="1.0" encoding="utf-8"?>
+<p:properties xmlns:p="http://schemas.microsoft.com/office/2006/metadata/properties" xmlns:xsi="http://www.w3.org/2001/XMLSchema-instance" xmlns:pc="http://schemas.microsoft.com/office/infopath/2007/PartnerControls">
+  <documentManagement>
+    <_ip_UnifiedCompliancePolicyUIAction xmlns="http://schemas.microsoft.com/sharepoint/v3" xsi:nil="true"/>
+    <_ip_UnifiedCompliancePolicyProperties xmlns="http://schemas.microsoft.com/sharepoint/v3" xsi:nil="true"/>
+  </documentManagement>
+</p:properties>
 </file>
 
-<file path=customXml/itemProps3.xml><?xml version="1.0" encoding="utf-8"?>
+<file path=customXml/itemProps1.xml><?xml version="1.0" encoding="utf-8"?>
 <ds:datastoreItem xmlns:ds="http://schemas.openxmlformats.org/officeDocument/2006/customXml" ds:itemID="{1BBB5711-29E1-4F8E-81A0-7947C57B208A}">
   <ds:schemaRefs>
     <ds:schemaRef ds:uri="http://schemas.microsoft.com/office/2006/metadata/contentType"/>
@@ -16685,4 +17692,30 @@
     <ds:schemaRef ds:uri="http://schemas.microsoft.com/internal/obd"/>
   </ds:schemaRefs>
 </ds:datastoreItem>
+</file>
+
+<file path=customXml/itemProps2.xml><?xml version="1.0" encoding="utf-8"?>
+<ds:datastoreItem xmlns:ds="http://schemas.openxmlformats.org/officeDocument/2006/customXml" ds:itemID="{F6CB1848-D3E0-4F10-B640-720BE758B85B}">
+  <ds:schemaRefs>
+    <ds:schemaRef ds:uri="http://schemas.microsoft.com/sharepoint/v3/contenttype/forms"/>
+  </ds:schemaRefs>
+</ds:datastoreItem>
+</file>
+
+<file path=customXml/itemProps3.xml><?xml version="1.0" encoding="utf-8"?>
+<ds:datastoreItem xmlns:ds="http://schemas.openxmlformats.org/officeDocument/2006/customXml" ds:itemID="{E4934E25-8442-49E9-ABDF-3146C4145F3B}">
+  <ds:schemaRefs>
+    <ds:schemaRef ds:uri="http://purl.org/dc/dcmitype/"/>
+    <ds:schemaRef ds:uri="http://purl.org/dc/terms/"/>
+    <ds:schemaRef ds:uri="http://schemas.microsoft.com/office/2006/metadata/properties"/>
+    <ds:schemaRef ds:uri="http://purl.org/dc/elements/1.1/"/>
+    <ds:schemaRef ds:uri="http://schemas.openxmlformats.org/package/2006/metadata/core-properties"/>
+    <ds:schemaRef ds:uri="http://schemas.microsoft.com/office/2006/documentManagement/types"/>
+    <ds:schemaRef ds:uri="6dc4bcd6-49db-4c07-9060-8acfc67cef9f"/>
+    <ds:schemaRef ds:uri="http://schemas.microsoft.com/sharepoint/v3"/>
+    <ds:schemaRef ds:uri="http://schemas.microsoft.com/office/infopath/2007/PartnerControls"/>
+    <ds:schemaRef ds:uri="fb0879af-3eba-417a-a55a-ffe6dcd6ca77"/>
+    <ds:schemaRef ds:uri="http://www.w3.org/XML/1998/namespace"/>
+  </ds:schemaRefs>
+</ds:datastoreItem>
 </file>